--- a/Анализ публикуемых новостей.pptx
+++ b/Анализ публикуемых новостей.pptx
@@ -5,10 +5,10 @@
     <p:sldMasterId id="2147483666" r:id="rId4"/>
   </p:sldMasterIdLst>
   <p:notesMasterIdLst>
-    <p:notesMasterId r:id="rId12"/>
+    <p:notesMasterId r:id="rId13"/>
   </p:notesMasterIdLst>
   <p:handoutMasterIdLst>
-    <p:handoutMasterId r:id="rId13"/>
+    <p:handoutMasterId r:id="rId14"/>
   </p:handoutMasterIdLst>
   <p:sldIdLst>
     <p:sldId id="256" r:id="rId5"/>
@@ -17,7 +17,8 @@
     <p:sldId id="264" r:id="rId8"/>
     <p:sldId id="278" r:id="rId9"/>
     <p:sldId id="266" r:id="rId10"/>
-    <p:sldId id="293" r:id="rId11"/>
+    <p:sldId id="294" r:id="rId11"/>
+    <p:sldId id="293" r:id="rId12"/>
   </p:sldIdLst>
   <p:sldSz cx="12192000" cy="6858000"/>
   <p:notesSz cx="6858000" cy="9144000"/>
@@ -246,7 +247,7 @@
             <a:pPr rtl="0"/>
             <a:fld id="{C3308102-B78F-4A24-87CA-5FA0033B6135}" type="datetime1">
               <a:rPr lang="ru-RU" smtClean="0"/>
-              <a:t>30.12.2022</a:t>
+              <a:t>08.01.2023</a:t>
             </a:fld>
             <a:endParaRPr lang="ru-RU" dirty="0"/>
           </a:p>
@@ -427,7 +428,7 @@
             <a:fld id="{7B728365-CBBA-496F-854A-132A4D03B664}" type="datetime1">
               <a:rPr lang="ru-RU" smtClean="0"/>
               <a:pPr/>
-              <a:t>30.12.2022</a:t>
+              <a:t>08.01.2023</a:t>
             </a:fld>
             <a:endParaRPr lang="ru-RU" dirty="0"/>
           </a:p>
@@ -1273,7 +1274,7 @@
             <a:pPr rtl="0"/>
             <a:fld id="{D4B9A9E5-4F7F-4A7D-9DE1-899232329269}" type="slidenum">
               <a:rPr lang="ru-RU" smtClean="0"/>
-              <a:t>7</a:t>
+              <a:t>8</a:t>
             </a:fld>
             <a:endParaRPr lang="ru-RU"/>
           </a:p>
@@ -16869,7 +16870,15 @@
             </a:pPr>
             <a:r>
               <a:rPr lang="ru-RU" dirty="0"/>
-              <a:t>Создание контейнеров </a:t>
+              <a:t>Создание </a:t>
+            </a:r>
+            <a:r>
+              <a:rPr lang="en-US" dirty="0"/>
+              <a:t>docker </a:t>
+            </a:r>
+            <a:r>
+              <a:rPr lang="ru-RU" dirty="0"/>
+              <a:t>контейнеров </a:t>
             </a:r>
           </a:p>
         </p:txBody>
@@ -17065,7 +17074,7 @@
         <p:spPr>
           <a:xfrm>
             <a:off x="1362075" y="136525"/>
-            <a:ext cx="5111750" cy="1204912"/>
+            <a:ext cx="5111750" cy="818469"/>
           </a:xfrm>
         </p:spPr>
         <p:txBody>
@@ -17098,7 +17107,7 @@
         </p:nvSpPr>
         <p:spPr>
           <a:xfrm>
-            <a:off x="1618578" y="4655377"/>
+            <a:off x="1618578" y="5205167"/>
             <a:ext cx="5111750" cy="1525588"/>
           </a:xfrm>
         </p:spPr>
@@ -17172,7 +17181,7 @@
         </p:nvSpPr>
         <p:spPr>
           <a:xfrm>
-            <a:off x="1362074" y="1608003"/>
+            <a:off x="1362074" y="1060865"/>
             <a:ext cx="2128101" cy="365125"/>
           </a:xfrm>
           <a:prstGeom prst="rect">
@@ -17375,7 +17384,7 @@
         </p:nvSpPr>
         <p:spPr>
           <a:xfrm>
-            <a:off x="1618578" y="1652833"/>
+            <a:off x="1618578" y="1105695"/>
             <a:ext cx="5111750" cy="1525588"/>
           </a:xfrm>
           <a:prstGeom prst="rect">
@@ -17593,7 +17602,7 @@
         </p:nvSpPr>
         <p:spPr>
           <a:xfrm>
-            <a:off x="1362072" y="2889854"/>
+            <a:off x="1362072" y="2342716"/>
             <a:ext cx="2128101" cy="365125"/>
           </a:xfrm>
           <a:prstGeom prst="rect">
@@ -17796,7 +17805,7 @@
         </p:nvSpPr>
         <p:spPr>
           <a:xfrm>
-            <a:off x="1618578" y="2993073"/>
+            <a:off x="1618578" y="2445935"/>
             <a:ext cx="5111750" cy="1559085"/>
           </a:xfrm>
           <a:prstGeom prst="rect">
@@ -18035,7 +18044,7 @@
         </p:nvSpPr>
         <p:spPr>
           <a:xfrm>
-            <a:off x="1362071" y="4552158"/>
+            <a:off x="1362071" y="5185325"/>
             <a:ext cx="2128101" cy="365125"/>
           </a:xfrm>
           <a:prstGeom prst="rect">
@@ -18217,6 +18226,427 @@
             <a:r>
               <a:rPr lang="en-US" noProof="1"/>
               <a:t>Docker</a:t>
+            </a:r>
+            <a:endParaRPr lang="ru-RU" dirty="0"/>
+          </a:p>
+        </p:txBody>
+      </p:sp>
+      <p:sp>
+        <p:nvSpPr>
+          <p:cNvPr id="4" name="Объект 2">
+            <a:extLst>
+              <a:ext uri="{FF2B5EF4-FFF2-40B4-BE49-F238E27FC236}">
+                <a16:creationId xmlns:a16="http://schemas.microsoft.com/office/drawing/2014/main" id="{1BEEFB48-AA8B-7898-BF00-F9AE9D829CA3}"/>
+              </a:ext>
+            </a:extLst>
+          </p:cNvPr>
+          <p:cNvSpPr txBox="1">
+            <a:spLocks/>
+          </p:cNvSpPr>
+          <p:nvPr/>
+        </p:nvSpPr>
+        <p:spPr>
+          <a:xfrm>
+            <a:off x="1618578" y="4125080"/>
+            <a:ext cx="5111750" cy="1525588"/>
+          </a:xfrm>
+          <a:prstGeom prst="rect">
+            <a:avLst/>
+          </a:prstGeom>
+        </p:spPr>
+        <p:txBody>
+          <a:bodyPr vert="horz" lIns="91440" tIns="45720" rIns="91440" bIns="45720" rtlCol="0" anchor="t">
+            <a:normAutofit/>
+          </a:bodyPr>
+          <a:lstStyle>
+            <a:lvl1pPr marL="0" indent="0" algn="l" defTabSz="914400" rtl="0" eaLnBrk="1" latinLnBrk="0" hangingPunct="1">
+              <a:lnSpc>
+                <a:spcPct val="100000"/>
+              </a:lnSpc>
+              <a:spcBef>
+                <a:spcPts val="1000"/>
+              </a:spcBef>
+              <a:buFont typeface="Arial" panose="020B0604020202020204" pitchFamily="34" charset="0"/>
+              <a:buNone/>
+              <a:defRPr sz="1400" kern="1200" spc="50" baseline="0">
+                <a:solidFill>
+                  <a:schemeClr val="tx1"/>
+                </a:solidFill>
+                <a:latin typeface="Arial" panose="020B0604020202020204" pitchFamily="34" charset="0"/>
+                <a:ea typeface="+mn-ea"/>
+                <a:cs typeface="Arial" panose="020B0604020202020204" pitchFamily="34" charset="0"/>
+              </a:defRPr>
+            </a:lvl1pPr>
+            <a:lvl2pPr marL="457200" indent="0" algn="l" defTabSz="914400" rtl="0" eaLnBrk="1" latinLnBrk="0" hangingPunct="1">
+              <a:lnSpc>
+                <a:spcPct val="90000"/>
+              </a:lnSpc>
+              <a:spcBef>
+                <a:spcPts val="500"/>
+              </a:spcBef>
+              <a:buFont typeface="Arial" panose="020B0604020202020204" pitchFamily="34" charset="0"/>
+              <a:buNone/>
+              <a:defRPr sz="2000" kern="1200">
+                <a:solidFill>
+                  <a:schemeClr val="tx1">
+                    <a:tint val="75000"/>
+                  </a:schemeClr>
+                </a:solidFill>
+                <a:latin typeface="Arial" panose="020B0604020202020204" pitchFamily="34" charset="0"/>
+                <a:ea typeface="+mn-ea"/>
+                <a:cs typeface="Arial" panose="020B0604020202020204" pitchFamily="34" charset="0"/>
+              </a:defRPr>
+            </a:lvl2pPr>
+            <a:lvl3pPr marL="914400" indent="0" algn="l" defTabSz="914400" rtl="0" eaLnBrk="1" latinLnBrk="0" hangingPunct="1">
+              <a:lnSpc>
+                <a:spcPct val="90000"/>
+              </a:lnSpc>
+              <a:spcBef>
+                <a:spcPts val="500"/>
+              </a:spcBef>
+              <a:buFont typeface="Arial" panose="020B0604020202020204" pitchFamily="34" charset="0"/>
+              <a:buNone/>
+              <a:defRPr sz="1800" kern="1200">
+                <a:solidFill>
+                  <a:schemeClr val="tx1">
+                    <a:tint val="75000"/>
+                  </a:schemeClr>
+                </a:solidFill>
+                <a:latin typeface="Arial" panose="020B0604020202020204" pitchFamily="34" charset="0"/>
+                <a:ea typeface="+mn-ea"/>
+                <a:cs typeface="Arial" panose="020B0604020202020204" pitchFamily="34" charset="0"/>
+              </a:defRPr>
+            </a:lvl3pPr>
+            <a:lvl4pPr marL="1371600" indent="0" algn="l" defTabSz="914400" rtl="0" eaLnBrk="1" latinLnBrk="0" hangingPunct="1">
+              <a:lnSpc>
+                <a:spcPct val="90000"/>
+              </a:lnSpc>
+              <a:spcBef>
+                <a:spcPts val="500"/>
+              </a:spcBef>
+              <a:buFont typeface="Arial" panose="020B0604020202020204" pitchFamily="34" charset="0"/>
+              <a:buNone/>
+              <a:defRPr sz="1600" kern="1200">
+                <a:solidFill>
+                  <a:schemeClr val="tx1">
+                    <a:tint val="75000"/>
+                  </a:schemeClr>
+                </a:solidFill>
+                <a:latin typeface="Arial" panose="020B0604020202020204" pitchFamily="34" charset="0"/>
+                <a:ea typeface="+mn-ea"/>
+                <a:cs typeface="Arial" panose="020B0604020202020204" pitchFamily="34" charset="0"/>
+              </a:defRPr>
+            </a:lvl4pPr>
+            <a:lvl5pPr marL="1828800" indent="0" algn="l" defTabSz="914400" rtl="0" eaLnBrk="1" latinLnBrk="0" hangingPunct="1">
+              <a:lnSpc>
+                <a:spcPct val="90000"/>
+              </a:lnSpc>
+              <a:spcBef>
+                <a:spcPts val="500"/>
+              </a:spcBef>
+              <a:buFont typeface="Arial" panose="020B0604020202020204" pitchFamily="34" charset="0"/>
+              <a:buNone/>
+              <a:defRPr sz="1600" kern="1200">
+                <a:solidFill>
+                  <a:schemeClr val="tx1">
+                    <a:tint val="75000"/>
+                  </a:schemeClr>
+                </a:solidFill>
+                <a:latin typeface="Arial" panose="020B0604020202020204" pitchFamily="34" charset="0"/>
+                <a:ea typeface="+mn-ea"/>
+                <a:cs typeface="Arial" panose="020B0604020202020204" pitchFamily="34" charset="0"/>
+              </a:defRPr>
+            </a:lvl5pPr>
+            <a:lvl6pPr marL="2286000" indent="0" algn="l" defTabSz="914400" rtl="0" eaLnBrk="1" latinLnBrk="0" hangingPunct="1">
+              <a:lnSpc>
+                <a:spcPct val="90000"/>
+              </a:lnSpc>
+              <a:spcBef>
+                <a:spcPts val="500"/>
+              </a:spcBef>
+              <a:buFont typeface="Arial" panose="020B0604020202020204" pitchFamily="34" charset="0"/>
+              <a:buNone/>
+              <a:defRPr sz="1600" kern="1200">
+                <a:solidFill>
+                  <a:schemeClr val="tx1">
+                    <a:tint val="75000"/>
+                  </a:schemeClr>
+                </a:solidFill>
+                <a:latin typeface="+mn-lt"/>
+                <a:ea typeface="+mn-ea"/>
+                <a:cs typeface="+mn-cs"/>
+              </a:defRPr>
+            </a:lvl6pPr>
+            <a:lvl7pPr marL="2743200" indent="0" algn="l" defTabSz="914400" rtl="0" eaLnBrk="1" latinLnBrk="0" hangingPunct="1">
+              <a:lnSpc>
+                <a:spcPct val="90000"/>
+              </a:lnSpc>
+              <a:spcBef>
+                <a:spcPts val="500"/>
+              </a:spcBef>
+              <a:buFont typeface="Arial" panose="020B0604020202020204" pitchFamily="34" charset="0"/>
+              <a:buNone/>
+              <a:defRPr sz="1600" kern="1200">
+                <a:solidFill>
+                  <a:schemeClr val="tx1">
+                    <a:tint val="75000"/>
+                  </a:schemeClr>
+                </a:solidFill>
+                <a:latin typeface="+mn-lt"/>
+                <a:ea typeface="+mn-ea"/>
+                <a:cs typeface="+mn-cs"/>
+              </a:defRPr>
+            </a:lvl7pPr>
+            <a:lvl8pPr marL="3200400" indent="0" algn="l" defTabSz="914400" rtl="0" eaLnBrk="1" latinLnBrk="0" hangingPunct="1">
+              <a:lnSpc>
+                <a:spcPct val="90000"/>
+              </a:lnSpc>
+              <a:spcBef>
+                <a:spcPts val="500"/>
+              </a:spcBef>
+              <a:buFont typeface="Arial" panose="020B0604020202020204" pitchFamily="34" charset="0"/>
+              <a:buNone/>
+              <a:defRPr sz="1600" kern="1200">
+                <a:solidFill>
+                  <a:schemeClr val="tx1">
+                    <a:tint val="75000"/>
+                  </a:schemeClr>
+                </a:solidFill>
+                <a:latin typeface="+mn-lt"/>
+                <a:ea typeface="+mn-ea"/>
+                <a:cs typeface="+mn-cs"/>
+              </a:defRPr>
+            </a:lvl8pPr>
+            <a:lvl9pPr marL="3657600" indent="0" algn="l" defTabSz="914400" rtl="0" eaLnBrk="1" latinLnBrk="0" hangingPunct="1">
+              <a:lnSpc>
+                <a:spcPct val="90000"/>
+              </a:lnSpc>
+              <a:spcBef>
+                <a:spcPts val="500"/>
+              </a:spcBef>
+              <a:buFont typeface="Arial" panose="020B0604020202020204" pitchFamily="34" charset="0"/>
+              <a:buNone/>
+              <a:defRPr sz="1600" kern="1200">
+                <a:solidFill>
+                  <a:schemeClr val="tx1">
+                    <a:tint val="75000"/>
+                  </a:schemeClr>
+                </a:solidFill>
+                <a:latin typeface="+mn-lt"/>
+                <a:ea typeface="+mn-ea"/>
+                <a:cs typeface="+mn-cs"/>
+              </a:defRPr>
+            </a:lvl9pPr>
+          </a:lstStyle>
+          <a:p>
+            <a:endParaRPr lang="en-US" noProof="1"/>
+          </a:p>
+          <a:p>
+            <a:r>
+              <a:rPr lang="ru-RU" noProof="1"/>
+              <a:t>Открытое ПО для создания, выполнения, мониторинга и оркестровки потоков операций по обработке данных</a:t>
+            </a:r>
+          </a:p>
+        </p:txBody>
+      </p:sp>
+      <p:sp>
+        <p:nvSpPr>
+          <p:cNvPr id="5" name="Объект 2">
+            <a:extLst>
+              <a:ext uri="{FF2B5EF4-FFF2-40B4-BE49-F238E27FC236}">
+                <a16:creationId xmlns:a16="http://schemas.microsoft.com/office/drawing/2014/main" id="{DC12820E-9ED7-1430-51A0-4C8BA50BF11E}"/>
+              </a:ext>
+            </a:extLst>
+          </p:cNvPr>
+          <p:cNvSpPr txBox="1">
+            <a:spLocks/>
+          </p:cNvSpPr>
+          <p:nvPr/>
+        </p:nvSpPr>
+        <p:spPr>
+          <a:xfrm>
+            <a:off x="1362071" y="4105238"/>
+            <a:ext cx="2128101" cy="365125"/>
+          </a:xfrm>
+          <a:prstGeom prst="rect">
+            <a:avLst/>
+          </a:prstGeom>
+        </p:spPr>
+        <p:txBody>
+          <a:bodyPr vert="horz" lIns="91440" tIns="45720" rIns="91440" bIns="45720" rtlCol="0" anchor="ctr">
+            <a:normAutofit fontScale="77500" lnSpcReduction="20000"/>
+          </a:bodyPr>
+          <a:lstStyle>
+            <a:lvl1pPr marL="228600" indent="-228600" algn="l" defTabSz="914400" rtl="0" eaLnBrk="1" latinLnBrk="0" hangingPunct="1">
+              <a:lnSpc>
+                <a:spcPct val="90000"/>
+              </a:lnSpc>
+              <a:spcBef>
+                <a:spcPts val="1000"/>
+              </a:spcBef>
+              <a:buFont typeface="Arial" panose="020B0604020202020204" pitchFamily="34" charset="0"/>
+              <a:buChar char="•"/>
+              <a:defRPr sz="2800" kern="1200">
+                <a:solidFill>
+                  <a:schemeClr val="tx1"/>
+                </a:solidFill>
+                <a:latin typeface="Arial" panose="020B0604020202020204" pitchFamily="34" charset="0"/>
+                <a:ea typeface="+mn-ea"/>
+                <a:cs typeface="Arial" panose="020B0604020202020204" pitchFamily="34" charset="0"/>
+              </a:defRPr>
+            </a:lvl1pPr>
+            <a:lvl2pPr marL="685800" indent="-228600" algn="l" defTabSz="914400" rtl="0" eaLnBrk="1" latinLnBrk="0" hangingPunct="1">
+              <a:lnSpc>
+                <a:spcPct val="90000"/>
+              </a:lnSpc>
+              <a:spcBef>
+                <a:spcPts val="500"/>
+              </a:spcBef>
+              <a:buFont typeface="Arial" panose="020B0604020202020204" pitchFamily="34" charset="0"/>
+              <a:buChar char="•"/>
+              <a:defRPr sz="2400" kern="1200">
+                <a:solidFill>
+                  <a:schemeClr val="tx1"/>
+                </a:solidFill>
+                <a:latin typeface="Arial" panose="020B0604020202020204" pitchFamily="34" charset="0"/>
+                <a:ea typeface="+mn-ea"/>
+                <a:cs typeface="Arial" panose="020B0604020202020204" pitchFamily="34" charset="0"/>
+              </a:defRPr>
+            </a:lvl2pPr>
+            <a:lvl3pPr marL="1143000" indent="-228600" algn="l" defTabSz="914400" rtl="0" eaLnBrk="1" latinLnBrk="0" hangingPunct="1">
+              <a:lnSpc>
+                <a:spcPct val="90000"/>
+              </a:lnSpc>
+              <a:spcBef>
+                <a:spcPts val="500"/>
+              </a:spcBef>
+              <a:buFont typeface="Arial" panose="020B0604020202020204" pitchFamily="34" charset="0"/>
+              <a:buChar char="•"/>
+              <a:defRPr sz="2000" kern="1200">
+                <a:solidFill>
+                  <a:schemeClr val="tx1"/>
+                </a:solidFill>
+                <a:latin typeface="Arial" panose="020B0604020202020204" pitchFamily="34" charset="0"/>
+                <a:ea typeface="+mn-ea"/>
+                <a:cs typeface="Arial" panose="020B0604020202020204" pitchFamily="34" charset="0"/>
+              </a:defRPr>
+            </a:lvl3pPr>
+            <a:lvl4pPr marL="1600200" indent="-228600" algn="l" defTabSz="914400" rtl="0" eaLnBrk="1" latinLnBrk="0" hangingPunct="1">
+              <a:lnSpc>
+                <a:spcPct val="90000"/>
+              </a:lnSpc>
+              <a:spcBef>
+                <a:spcPts val="500"/>
+              </a:spcBef>
+              <a:buFont typeface="Arial" panose="020B0604020202020204" pitchFamily="34" charset="0"/>
+              <a:buChar char="•"/>
+              <a:defRPr sz="1800" kern="1200">
+                <a:solidFill>
+                  <a:schemeClr val="tx1"/>
+                </a:solidFill>
+                <a:latin typeface="Arial" panose="020B0604020202020204" pitchFamily="34" charset="0"/>
+                <a:ea typeface="+mn-ea"/>
+                <a:cs typeface="Arial" panose="020B0604020202020204" pitchFamily="34" charset="0"/>
+              </a:defRPr>
+            </a:lvl4pPr>
+            <a:lvl5pPr marL="2057400" indent="-228600" algn="l" defTabSz="914400" rtl="0" eaLnBrk="1" latinLnBrk="0" hangingPunct="1">
+              <a:lnSpc>
+                <a:spcPct val="90000"/>
+              </a:lnSpc>
+              <a:spcBef>
+                <a:spcPts val="500"/>
+              </a:spcBef>
+              <a:buFont typeface="Arial" panose="020B0604020202020204" pitchFamily="34" charset="0"/>
+              <a:buChar char="•"/>
+              <a:defRPr sz="1800" kern="1200">
+                <a:solidFill>
+                  <a:schemeClr val="tx1"/>
+                </a:solidFill>
+                <a:latin typeface="Arial" panose="020B0604020202020204" pitchFamily="34" charset="0"/>
+                <a:ea typeface="+mn-ea"/>
+                <a:cs typeface="Arial" panose="020B0604020202020204" pitchFamily="34" charset="0"/>
+              </a:defRPr>
+            </a:lvl5pPr>
+            <a:lvl6pPr marL="2514600" indent="-228600" algn="l" defTabSz="914400" rtl="0" eaLnBrk="1" latinLnBrk="0" hangingPunct="1">
+              <a:lnSpc>
+                <a:spcPct val="90000"/>
+              </a:lnSpc>
+              <a:spcBef>
+                <a:spcPts val="500"/>
+              </a:spcBef>
+              <a:buFont typeface="Arial" panose="020B0604020202020204" pitchFamily="34" charset="0"/>
+              <a:buChar char="•"/>
+              <a:defRPr sz="1800" kern="1200">
+                <a:solidFill>
+                  <a:schemeClr val="tx1"/>
+                </a:solidFill>
+                <a:latin typeface="+mn-lt"/>
+                <a:ea typeface="+mn-ea"/>
+                <a:cs typeface="+mn-cs"/>
+              </a:defRPr>
+            </a:lvl6pPr>
+            <a:lvl7pPr marL="2971800" indent="-228600" algn="l" defTabSz="914400" rtl="0" eaLnBrk="1" latinLnBrk="0" hangingPunct="1">
+              <a:lnSpc>
+                <a:spcPct val="90000"/>
+              </a:lnSpc>
+              <a:spcBef>
+                <a:spcPts val="500"/>
+              </a:spcBef>
+              <a:buFont typeface="Arial" panose="020B0604020202020204" pitchFamily="34" charset="0"/>
+              <a:buChar char="•"/>
+              <a:defRPr sz="1800" kern="1200">
+                <a:solidFill>
+                  <a:schemeClr val="tx1"/>
+                </a:solidFill>
+                <a:latin typeface="+mn-lt"/>
+                <a:ea typeface="+mn-ea"/>
+                <a:cs typeface="+mn-cs"/>
+              </a:defRPr>
+            </a:lvl7pPr>
+            <a:lvl8pPr marL="3429000" indent="-228600" algn="l" defTabSz="914400" rtl="0" eaLnBrk="1" latinLnBrk="0" hangingPunct="1">
+              <a:lnSpc>
+                <a:spcPct val="90000"/>
+              </a:lnSpc>
+              <a:spcBef>
+                <a:spcPts val="500"/>
+              </a:spcBef>
+              <a:buFont typeface="Arial" panose="020B0604020202020204" pitchFamily="34" charset="0"/>
+              <a:buChar char="•"/>
+              <a:defRPr sz="1800" kern="1200">
+                <a:solidFill>
+                  <a:schemeClr val="tx1"/>
+                </a:solidFill>
+                <a:latin typeface="+mn-lt"/>
+                <a:ea typeface="+mn-ea"/>
+                <a:cs typeface="+mn-cs"/>
+              </a:defRPr>
+            </a:lvl8pPr>
+            <a:lvl9pPr marL="3886200" indent="-228600" algn="l" defTabSz="914400" rtl="0" eaLnBrk="1" latinLnBrk="0" hangingPunct="1">
+              <a:lnSpc>
+                <a:spcPct val="90000"/>
+              </a:lnSpc>
+              <a:spcBef>
+                <a:spcPts val="500"/>
+              </a:spcBef>
+              <a:buFont typeface="Arial" panose="020B0604020202020204" pitchFamily="34" charset="0"/>
+              <a:buChar char="•"/>
+              <a:defRPr sz="1800" kern="1200">
+                <a:solidFill>
+                  <a:schemeClr val="tx1"/>
+                </a:solidFill>
+                <a:latin typeface="+mn-lt"/>
+                <a:ea typeface="+mn-ea"/>
+                <a:cs typeface="+mn-cs"/>
+              </a:defRPr>
+            </a:lvl9pPr>
+          </a:lstStyle>
+          <a:p>
+            <a:pPr marL="0" indent="0">
+              <a:buNone/>
+            </a:pPr>
+            <a:r>
+              <a:rPr lang="en-US" noProof="1"/>
+              <a:t>Apache Airflow</a:t>
             </a:r>
             <a:endParaRPr lang="ru-RU" dirty="0"/>
           </a:p>
@@ -18270,7 +18700,7 @@
         </p:nvSpPr>
         <p:spPr>
           <a:xfrm>
-            <a:off x="5920169" y="1152771"/>
+            <a:off x="5595256" y="392196"/>
             <a:ext cx="5431971" cy="846301"/>
           </a:xfrm>
         </p:spPr>
@@ -18286,154 +18716,12 @@
           </a:p>
         </p:txBody>
       </p:sp>
-      <p:sp>
-        <p:nvSpPr>
-          <p:cNvPr id="7" name="Текст 6">
-            <a:extLst>
-              <a:ext uri="{FF2B5EF4-FFF2-40B4-BE49-F238E27FC236}">
-                <a16:creationId xmlns:a16="http://schemas.microsoft.com/office/drawing/2014/main" id="{40297407-CE4E-4284-879D-AEC395713625}"/>
-              </a:ext>
-            </a:extLst>
-          </p:cNvPr>
-          <p:cNvSpPr>
-            <a:spLocks noGrp="1"/>
-          </p:cNvSpPr>
-          <p:nvPr>
-            <p:ph type="body" sz="quarter" idx="15"/>
-          </p:nvPr>
-        </p:nvSpPr>
-        <p:spPr>
-          <a:xfrm>
-            <a:off x="5919680" y="1859468"/>
-            <a:ext cx="5431971" cy="557950"/>
-          </a:xfrm>
-        </p:spPr>
-        <p:txBody>
-          <a:bodyPr rtlCol="0">
-            <a:normAutofit/>
-          </a:bodyPr>
-          <a:lstStyle/>
-          <a:p>
-            <a:pPr rtl="0"/>
-            <a:r>
-              <a:rPr lang="ru-RU" noProof="1"/>
-              <a:t>Для хранения была использована плоская таблица</a:t>
-            </a:r>
-          </a:p>
-        </p:txBody>
-      </p:sp>
-      <p:sp>
-        <p:nvSpPr>
-          <p:cNvPr id="32" name="Дата 31">
-            <a:extLst>
-              <a:ext uri="{FF2B5EF4-FFF2-40B4-BE49-F238E27FC236}">
-                <a16:creationId xmlns:a16="http://schemas.microsoft.com/office/drawing/2014/main" id="{D5DB19F8-B538-4965-BA90-ED372B99F5DC}"/>
-              </a:ext>
-            </a:extLst>
-          </p:cNvPr>
-          <p:cNvSpPr>
-            <a:spLocks noGrp="1"/>
-          </p:cNvSpPr>
-          <p:nvPr>
-            <p:ph type="dt" sz="half" idx="20"/>
-          </p:nvPr>
-        </p:nvSpPr>
-        <p:spPr>
-          <a:xfrm>
-            <a:off x="5919680" y="6356350"/>
-            <a:ext cx="947516" cy="365125"/>
-          </a:xfrm>
-        </p:spPr>
-        <p:txBody>
-          <a:bodyPr rtlCol="0"/>
-          <a:lstStyle/>
-          <a:p>
-            <a:pPr rtl="0"/>
-            <a:r>
-              <a:rPr lang="ru-RU"/>
-              <a:t>20ГГ</a:t>
-            </a:r>
-            <a:endParaRPr lang="ru-RU" dirty="0"/>
-          </a:p>
-        </p:txBody>
-      </p:sp>
-      <p:sp>
-        <p:nvSpPr>
-          <p:cNvPr id="3" name="Нижний колонтитул 2">
-            <a:extLst>
-              <a:ext uri="{FF2B5EF4-FFF2-40B4-BE49-F238E27FC236}">
-                <a16:creationId xmlns:a16="http://schemas.microsoft.com/office/drawing/2014/main" id="{005C44B1-BA82-483C-BD91-F89067442F9E}"/>
-              </a:ext>
-            </a:extLst>
-          </p:cNvPr>
-          <p:cNvSpPr>
-            <a:spLocks noGrp="1"/>
-          </p:cNvSpPr>
-          <p:nvPr>
-            <p:ph type="ftr" sz="quarter" idx="21"/>
-          </p:nvPr>
-        </p:nvSpPr>
-        <p:spPr>
-          <a:xfrm>
-            <a:off x="7161955" y="6356350"/>
-            <a:ext cx="3243942" cy="365125"/>
-          </a:xfrm>
-        </p:spPr>
-        <p:txBody>
-          <a:bodyPr rtlCol="0"/>
-          <a:lstStyle/>
-          <a:p>
-            <a:pPr rtl="0"/>
-            <a:r>
-              <a:rPr lang="ru-RU"/>
-              <a:t>Презентация</a:t>
-            </a:r>
-            <a:endParaRPr lang="ru-RU" dirty="0"/>
-          </a:p>
-        </p:txBody>
-      </p:sp>
-      <p:sp>
-        <p:nvSpPr>
-          <p:cNvPr id="4" name="Номер слайда 3">
-            <a:extLst>
-              <a:ext uri="{FF2B5EF4-FFF2-40B4-BE49-F238E27FC236}">
-                <a16:creationId xmlns:a16="http://schemas.microsoft.com/office/drawing/2014/main" id="{79ED4A67-3A46-4F54-A12A-EAE1B53E6457}"/>
-              </a:ext>
-            </a:extLst>
-          </p:cNvPr>
-          <p:cNvSpPr>
-            <a:spLocks noGrp="1"/>
-          </p:cNvSpPr>
-          <p:nvPr>
-            <p:ph type="sldNum" sz="quarter" idx="22"/>
-          </p:nvPr>
-        </p:nvSpPr>
-        <p:spPr>
-          <a:xfrm>
-            <a:off x="10700656" y="6356350"/>
-            <a:ext cx="653143" cy="365125"/>
-          </a:xfrm>
-        </p:spPr>
-        <p:txBody>
-          <a:bodyPr rtlCol="0"/>
-          <a:lstStyle/>
-          <a:p>
-            <a:pPr rtl="0"/>
-            <a:fld id="{19B51A1E-902D-48AF-9020-955120F399B6}" type="slidenum">
-              <a:rPr lang="ru-RU" smtClean="0"/>
-              <a:pPr rtl="0"/>
-              <a:t>5</a:t>
-            </a:fld>
-            <a:endParaRPr lang="ru-RU" dirty="0"/>
-          </a:p>
-        </p:txBody>
-      </p:sp>
       <p:pic>
         <p:nvPicPr>
-          <p:cNvPr id="12" name="Рисунок 11">
-            <a:extLst>
-              <a:ext uri="{FF2B5EF4-FFF2-40B4-BE49-F238E27FC236}">
-                <a16:creationId xmlns:a16="http://schemas.microsoft.com/office/drawing/2014/main" id="{F758CAFF-5AA7-7B50-AEB1-8F5F476AACD5}"/>
+          <p:cNvPr id="9" name="Рисунок 8">
+            <a:extLst>
+              <a:ext uri="{FF2B5EF4-FFF2-40B4-BE49-F238E27FC236}">
+                <a16:creationId xmlns:a16="http://schemas.microsoft.com/office/drawing/2014/main" id="{3F8798EF-A7E6-7883-DAD8-730769A13C4D}"/>
               </a:ext>
             </a:extLst>
           </p:cNvPr>
@@ -18450,8 +18738,8 @@
         </p:blipFill>
         <p:spPr>
           <a:xfrm>
-            <a:off x="6393438" y="2417418"/>
-            <a:ext cx="1762125" cy="1800225"/>
+            <a:off x="5466098" y="1421580"/>
+            <a:ext cx="4370111" cy="5044224"/>
           </a:xfrm>
           <a:prstGeom prst="rect">
             <a:avLst/>
@@ -18506,8 +18794,8 @@
         </p:nvSpPr>
         <p:spPr>
           <a:xfrm>
-            <a:off x="1885156" y="892177"/>
-            <a:ext cx="8421688" cy="1325563"/>
+            <a:off x="1885155" y="234151"/>
+            <a:ext cx="8421688" cy="526425"/>
           </a:xfrm>
         </p:spPr>
         <p:txBody>
@@ -18519,76 +18807,6 @@
               <a:rPr lang="ru-RU" dirty="0"/>
               <a:t>Схема обработки</a:t>
             </a:r>
-          </a:p>
-        </p:txBody>
-      </p:sp>
-      <p:sp>
-        <p:nvSpPr>
-          <p:cNvPr id="9" name="Дата 8">
-            <a:extLst>
-              <a:ext uri="{FF2B5EF4-FFF2-40B4-BE49-F238E27FC236}">
-                <a16:creationId xmlns:a16="http://schemas.microsoft.com/office/drawing/2014/main" id="{7B78F7A0-88C5-4940-B21C-099F472F39F9}"/>
-              </a:ext>
-            </a:extLst>
-          </p:cNvPr>
-          <p:cNvSpPr>
-            <a:spLocks noGrp="1"/>
-          </p:cNvSpPr>
-          <p:nvPr>
-            <p:ph type="dt" sz="half" idx="10"/>
-          </p:nvPr>
-        </p:nvSpPr>
-        <p:spPr>
-          <a:xfrm>
-            <a:off x="838200" y="6356350"/>
-            <a:ext cx="2743200" cy="365125"/>
-          </a:xfrm>
-        </p:spPr>
-        <p:txBody>
-          <a:bodyPr rtlCol="0"/>
-          <a:lstStyle/>
-          <a:p>
-            <a:pPr rtl="0"/>
-            <a:r>
-              <a:rPr lang="ru-RU"/>
-              <a:t>20XX</a:t>
-            </a:r>
-            <a:endParaRPr lang="ru-RU" dirty="0"/>
-          </a:p>
-        </p:txBody>
-      </p:sp>
-      <p:sp>
-        <p:nvSpPr>
-          <p:cNvPr id="10" name="Нижний колонтитул 9">
-            <a:extLst>
-              <a:ext uri="{FF2B5EF4-FFF2-40B4-BE49-F238E27FC236}">
-                <a16:creationId xmlns:a16="http://schemas.microsoft.com/office/drawing/2014/main" id="{D2186069-FC8E-433D-9BB4-942220CE8CFB}"/>
-              </a:ext>
-            </a:extLst>
-          </p:cNvPr>
-          <p:cNvSpPr>
-            <a:spLocks noGrp="1"/>
-          </p:cNvSpPr>
-          <p:nvPr>
-            <p:ph type="ftr" sz="quarter" idx="11"/>
-          </p:nvPr>
-        </p:nvSpPr>
-        <p:spPr>
-          <a:xfrm>
-            <a:off x="4038600" y="6356350"/>
-            <a:ext cx="4114800" cy="365125"/>
-          </a:xfrm>
-        </p:spPr>
-        <p:txBody>
-          <a:bodyPr rtlCol="0"/>
-          <a:lstStyle/>
-          <a:p>
-            <a:pPr rtl="0"/>
-            <a:r>
-              <a:rPr lang="ru-RU"/>
-              <a:t>Презентация</a:t>
-            </a:r>
-            <a:endParaRPr lang="ru-RU" dirty="0"/>
           </a:p>
         </p:txBody>
       </p:sp>
@@ -18630,10 +18848,10 @@
       </p:sp>
       <p:pic>
         <p:nvPicPr>
-          <p:cNvPr id="25" name="Рисунок 24">
-            <a:extLst>
-              <a:ext uri="{FF2B5EF4-FFF2-40B4-BE49-F238E27FC236}">
-                <a16:creationId xmlns:a16="http://schemas.microsoft.com/office/drawing/2014/main" id="{D2B7966D-9597-F922-03E8-6736F2D12EB1}"/>
+          <p:cNvPr id="4" name="Рисунок 3">
+            <a:extLst>
+              <a:ext uri="{FF2B5EF4-FFF2-40B4-BE49-F238E27FC236}">
+                <a16:creationId xmlns:a16="http://schemas.microsoft.com/office/drawing/2014/main" id="{9BE7A0F5-6699-AF43-C881-068BD45F88AB}"/>
               </a:ext>
             </a:extLst>
           </p:cNvPr>
@@ -18650,14 +18868,1681 @@
         </p:blipFill>
         <p:spPr>
           <a:xfrm>
-            <a:off x="1885156" y="2136775"/>
-            <a:ext cx="8648700" cy="4219575"/>
+            <a:off x="2512463" y="760576"/>
+            <a:ext cx="7489188" cy="2293615"/>
           </a:xfrm>
           <a:prstGeom prst="rect">
             <a:avLst/>
           </a:prstGeom>
         </p:spPr>
       </p:pic>
+      <p:sp>
+        <p:nvSpPr>
+          <p:cNvPr id="7" name="Объект 2">
+            <a:extLst>
+              <a:ext uri="{FF2B5EF4-FFF2-40B4-BE49-F238E27FC236}">
+                <a16:creationId xmlns:a16="http://schemas.microsoft.com/office/drawing/2014/main" id="{0EB2598E-E72D-90DA-32C5-165F164914C3}"/>
+              </a:ext>
+            </a:extLst>
+          </p:cNvPr>
+          <p:cNvSpPr txBox="1">
+            <a:spLocks/>
+          </p:cNvSpPr>
+          <p:nvPr/>
+        </p:nvSpPr>
+        <p:spPr>
+          <a:xfrm>
+            <a:off x="609561" y="3133076"/>
+            <a:ext cx="2466706" cy="272243"/>
+          </a:xfrm>
+          <a:prstGeom prst="rect">
+            <a:avLst/>
+          </a:prstGeom>
+        </p:spPr>
+        <p:txBody>
+          <a:bodyPr vert="horz" lIns="91440" tIns="45720" rIns="91440" bIns="45720" rtlCol="0" anchor="ctr">
+            <a:normAutofit fontScale="77500" lnSpcReduction="20000"/>
+          </a:bodyPr>
+          <a:lstStyle>
+            <a:lvl1pPr marL="0" indent="0" algn="l" defTabSz="914400" rtl="0" eaLnBrk="1" latinLnBrk="0" hangingPunct="1">
+              <a:lnSpc>
+                <a:spcPct val="90000"/>
+              </a:lnSpc>
+              <a:spcBef>
+                <a:spcPts val="1000"/>
+              </a:spcBef>
+              <a:buFont typeface="Arial" panose="020B0604020202020204" pitchFamily="34" charset="0"/>
+              <a:buNone/>
+              <a:defRPr lang="en-US" sz="2000" kern="1200" cap="all" spc="150" baseline="0" dirty="0" smtClean="0">
+                <a:solidFill>
+                  <a:schemeClr val="tx1"/>
+                </a:solidFill>
+                <a:latin typeface="Arial" panose="020B0604020202020204" pitchFamily="34" charset="0"/>
+                <a:ea typeface="+mj-ea"/>
+                <a:cs typeface="+mj-cs"/>
+              </a:defRPr>
+            </a:lvl1pPr>
+            <a:lvl2pPr marL="457200" indent="0" algn="l" defTabSz="914400" rtl="0" eaLnBrk="1" latinLnBrk="0" hangingPunct="1">
+              <a:lnSpc>
+                <a:spcPct val="90000"/>
+              </a:lnSpc>
+              <a:spcBef>
+                <a:spcPts val="500"/>
+              </a:spcBef>
+              <a:buFont typeface="Arial" panose="020B0604020202020204" pitchFamily="34" charset="0"/>
+              <a:buNone/>
+              <a:defRPr sz="2000" b="1" kern="1200">
+                <a:solidFill>
+                  <a:schemeClr val="tx1"/>
+                </a:solidFill>
+                <a:latin typeface="Arial" panose="020B0604020202020204" pitchFamily="34" charset="0"/>
+                <a:ea typeface="+mn-ea"/>
+                <a:cs typeface="Arial" panose="020B0604020202020204" pitchFamily="34" charset="0"/>
+              </a:defRPr>
+            </a:lvl2pPr>
+            <a:lvl3pPr marL="914400" indent="0" algn="l" defTabSz="914400" rtl="0" eaLnBrk="1" latinLnBrk="0" hangingPunct="1">
+              <a:lnSpc>
+                <a:spcPct val="90000"/>
+              </a:lnSpc>
+              <a:spcBef>
+                <a:spcPts val="500"/>
+              </a:spcBef>
+              <a:buFont typeface="Arial" panose="020B0604020202020204" pitchFamily="34" charset="0"/>
+              <a:buNone/>
+              <a:defRPr sz="1800" b="1" kern="1200">
+                <a:solidFill>
+                  <a:schemeClr val="tx1"/>
+                </a:solidFill>
+                <a:latin typeface="Arial" panose="020B0604020202020204" pitchFamily="34" charset="0"/>
+                <a:ea typeface="+mn-ea"/>
+                <a:cs typeface="Arial" panose="020B0604020202020204" pitchFamily="34" charset="0"/>
+              </a:defRPr>
+            </a:lvl3pPr>
+            <a:lvl4pPr marL="1371600" indent="0" algn="l" defTabSz="914400" rtl="0" eaLnBrk="1" latinLnBrk="0" hangingPunct="1">
+              <a:lnSpc>
+                <a:spcPct val="90000"/>
+              </a:lnSpc>
+              <a:spcBef>
+                <a:spcPts val="500"/>
+              </a:spcBef>
+              <a:buFont typeface="Arial" panose="020B0604020202020204" pitchFamily="34" charset="0"/>
+              <a:buNone/>
+              <a:defRPr sz="1600" b="1" kern="1200">
+                <a:solidFill>
+                  <a:schemeClr val="tx1"/>
+                </a:solidFill>
+                <a:latin typeface="Arial" panose="020B0604020202020204" pitchFamily="34" charset="0"/>
+                <a:ea typeface="+mn-ea"/>
+                <a:cs typeface="Arial" panose="020B0604020202020204" pitchFamily="34" charset="0"/>
+              </a:defRPr>
+            </a:lvl4pPr>
+            <a:lvl5pPr marL="1828800" indent="0" algn="l" defTabSz="914400" rtl="0" eaLnBrk="1" latinLnBrk="0" hangingPunct="1">
+              <a:lnSpc>
+                <a:spcPct val="90000"/>
+              </a:lnSpc>
+              <a:spcBef>
+                <a:spcPts val="500"/>
+              </a:spcBef>
+              <a:buFont typeface="Arial" panose="020B0604020202020204" pitchFamily="34" charset="0"/>
+              <a:buNone/>
+              <a:defRPr sz="1600" b="1" kern="1200">
+                <a:solidFill>
+                  <a:schemeClr val="tx1"/>
+                </a:solidFill>
+                <a:latin typeface="Arial" panose="020B0604020202020204" pitchFamily="34" charset="0"/>
+                <a:ea typeface="+mn-ea"/>
+                <a:cs typeface="Arial" panose="020B0604020202020204" pitchFamily="34" charset="0"/>
+              </a:defRPr>
+            </a:lvl5pPr>
+            <a:lvl6pPr marL="2286000" indent="0" algn="l" defTabSz="914400" rtl="0" eaLnBrk="1" latinLnBrk="0" hangingPunct="1">
+              <a:lnSpc>
+                <a:spcPct val="90000"/>
+              </a:lnSpc>
+              <a:spcBef>
+                <a:spcPts val="500"/>
+              </a:spcBef>
+              <a:buFont typeface="Arial" panose="020B0604020202020204" pitchFamily="34" charset="0"/>
+              <a:buNone/>
+              <a:defRPr sz="1600" b="1" kern="1200">
+                <a:solidFill>
+                  <a:schemeClr val="tx1"/>
+                </a:solidFill>
+                <a:latin typeface="+mn-lt"/>
+                <a:ea typeface="+mn-ea"/>
+                <a:cs typeface="+mn-cs"/>
+              </a:defRPr>
+            </a:lvl6pPr>
+            <a:lvl7pPr marL="2743200" indent="0" algn="l" defTabSz="914400" rtl="0" eaLnBrk="1" latinLnBrk="0" hangingPunct="1">
+              <a:lnSpc>
+                <a:spcPct val="90000"/>
+              </a:lnSpc>
+              <a:spcBef>
+                <a:spcPts val="500"/>
+              </a:spcBef>
+              <a:buFont typeface="Arial" panose="020B0604020202020204" pitchFamily="34" charset="0"/>
+              <a:buNone/>
+              <a:defRPr sz="1600" b="1" kern="1200">
+                <a:solidFill>
+                  <a:schemeClr val="tx1"/>
+                </a:solidFill>
+                <a:latin typeface="+mn-lt"/>
+                <a:ea typeface="+mn-ea"/>
+                <a:cs typeface="+mn-cs"/>
+              </a:defRPr>
+            </a:lvl7pPr>
+            <a:lvl8pPr marL="3200400" indent="0" algn="l" defTabSz="914400" rtl="0" eaLnBrk="1" latinLnBrk="0" hangingPunct="1">
+              <a:lnSpc>
+                <a:spcPct val="90000"/>
+              </a:lnSpc>
+              <a:spcBef>
+                <a:spcPts val="500"/>
+              </a:spcBef>
+              <a:buFont typeface="Arial" panose="020B0604020202020204" pitchFamily="34" charset="0"/>
+              <a:buNone/>
+              <a:defRPr sz="1600" b="1" kern="1200">
+                <a:solidFill>
+                  <a:schemeClr val="tx1"/>
+                </a:solidFill>
+                <a:latin typeface="+mn-lt"/>
+                <a:ea typeface="+mn-ea"/>
+                <a:cs typeface="+mn-cs"/>
+              </a:defRPr>
+            </a:lvl8pPr>
+            <a:lvl9pPr marL="3657600" indent="0" algn="l" defTabSz="914400" rtl="0" eaLnBrk="1" latinLnBrk="0" hangingPunct="1">
+              <a:lnSpc>
+                <a:spcPct val="90000"/>
+              </a:lnSpc>
+              <a:spcBef>
+                <a:spcPts val="500"/>
+              </a:spcBef>
+              <a:buFont typeface="Arial" panose="020B0604020202020204" pitchFamily="34" charset="0"/>
+              <a:buNone/>
+              <a:defRPr sz="1600" b="1" kern="1200">
+                <a:solidFill>
+                  <a:schemeClr val="tx1"/>
+                </a:solidFill>
+                <a:latin typeface="+mn-lt"/>
+                <a:ea typeface="+mn-ea"/>
+                <a:cs typeface="+mn-cs"/>
+              </a:defRPr>
+            </a:lvl9pPr>
+          </a:lstStyle>
+          <a:p>
+            <a:r>
+              <a:rPr lang="ru-RU" dirty="0"/>
+              <a:t>Загрузка</a:t>
+            </a:r>
+          </a:p>
+        </p:txBody>
+      </p:sp>
+      <p:sp>
+        <p:nvSpPr>
+          <p:cNvPr id="14" name="Текст 6">
+            <a:extLst>
+              <a:ext uri="{FF2B5EF4-FFF2-40B4-BE49-F238E27FC236}">
+                <a16:creationId xmlns:a16="http://schemas.microsoft.com/office/drawing/2014/main" id="{AA3D1D05-4BC3-EB1D-B4C6-2251AD23C01F}"/>
+              </a:ext>
+            </a:extLst>
+          </p:cNvPr>
+          <p:cNvSpPr txBox="1">
+            <a:spLocks/>
+          </p:cNvSpPr>
+          <p:nvPr/>
+        </p:nvSpPr>
+        <p:spPr>
+          <a:xfrm rot="10800000" flipV="1">
+            <a:off x="2512463" y="3054191"/>
+            <a:ext cx="8434691" cy="695823"/>
+          </a:xfrm>
+          <a:prstGeom prst="rect">
+            <a:avLst/>
+          </a:prstGeom>
+        </p:spPr>
+        <p:txBody>
+          <a:bodyPr rtlCol="0"/>
+          <a:lstStyle>
+            <a:lvl1pPr marL="228600" indent="-228600" algn="l" defTabSz="914400" rtl="0" eaLnBrk="1" latinLnBrk="0" hangingPunct="1">
+              <a:lnSpc>
+                <a:spcPct val="90000"/>
+              </a:lnSpc>
+              <a:spcBef>
+                <a:spcPts val="1000"/>
+              </a:spcBef>
+              <a:buFont typeface="Arial" panose="020B0604020202020204" pitchFamily="34" charset="0"/>
+              <a:buChar char="•"/>
+              <a:defRPr sz="2800" kern="1200">
+                <a:solidFill>
+                  <a:schemeClr val="tx1"/>
+                </a:solidFill>
+                <a:latin typeface="Arial" panose="020B0604020202020204" pitchFamily="34" charset="0"/>
+                <a:ea typeface="+mn-ea"/>
+                <a:cs typeface="Arial" panose="020B0604020202020204" pitchFamily="34" charset="0"/>
+              </a:defRPr>
+            </a:lvl1pPr>
+            <a:lvl2pPr marL="685800" indent="-228600" algn="l" defTabSz="914400" rtl="0" eaLnBrk="1" latinLnBrk="0" hangingPunct="1">
+              <a:lnSpc>
+                <a:spcPct val="90000"/>
+              </a:lnSpc>
+              <a:spcBef>
+                <a:spcPts val="500"/>
+              </a:spcBef>
+              <a:buFont typeface="Arial" panose="020B0604020202020204" pitchFamily="34" charset="0"/>
+              <a:buChar char="•"/>
+              <a:defRPr sz="2400" kern="1200">
+                <a:solidFill>
+                  <a:schemeClr val="tx1"/>
+                </a:solidFill>
+                <a:latin typeface="Arial" panose="020B0604020202020204" pitchFamily="34" charset="0"/>
+                <a:ea typeface="+mn-ea"/>
+                <a:cs typeface="Arial" panose="020B0604020202020204" pitchFamily="34" charset="0"/>
+              </a:defRPr>
+            </a:lvl2pPr>
+            <a:lvl3pPr marL="1143000" indent="-228600" algn="l" defTabSz="914400" rtl="0" eaLnBrk="1" latinLnBrk="0" hangingPunct="1">
+              <a:lnSpc>
+                <a:spcPct val="90000"/>
+              </a:lnSpc>
+              <a:spcBef>
+                <a:spcPts val="500"/>
+              </a:spcBef>
+              <a:buFont typeface="Arial" panose="020B0604020202020204" pitchFamily="34" charset="0"/>
+              <a:buChar char="•"/>
+              <a:defRPr sz="2000" kern="1200">
+                <a:solidFill>
+                  <a:schemeClr val="tx1"/>
+                </a:solidFill>
+                <a:latin typeface="Arial" panose="020B0604020202020204" pitchFamily="34" charset="0"/>
+                <a:ea typeface="+mn-ea"/>
+                <a:cs typeface="Arial" panose="020B0604020202020204" pitchFamily="34" charset="0"/>
+              </a:defRPr>
+            </a:lvl3pPr>
+            <a:lvl4pPr marL="1600200" indent="-228600" algn="l" defTabSz="914400" rtl="0" eaLnBrk="1" latinLnBrk="0" hangingPunct="1">
+              <a:lnSpc>
+                <a:spcPct val="90000"/>
+              </a:lnSpc>
+              <a:spcBef>
+                <a:spcPts val="500"/>
+              </a:spcBef>
+              <a:buFont typeface="Arial" panose="020B0604020202020204" pitchFamily="34" charset="0"/>
+              <a:buChar char="•"/>
+              <a:defRPr sz="1800" kern="1200">
+                <a:solidFill>
+                  <a:schemeClr val="tx1"/>
+                </a:solidFill>
+                <a:latin typeface="Arial" panose="020B0604020202020204" pitchFamily="34" charset="0"/>
+                <a:ea typeface="+mn-ea"/>
+                <a:cs typeface="Arial" panose="020B0604020202020204" pitchFamily="34" charset="0"/>
+              </a:defRPr>
+            </a:lvl4pPr>
+            <a:lvl5pPr marL="2057400" indent="-228600" algn="l" defTabSz="914400" rtl="0" eaLnBrk="1" latinLnBrk="0" hangingPunct="1">
+              <a:lnSpc>
+                <a:spcPct val="90000"/>
+              </a:lnSpc>
+              <a:spcBef>
+                <a:spcPts val="500"/>
+              </a:spcBef>
+              <a:buFont typeface="Arial" panose="020B0604020202020204" pitchFamily="34" charset="0"/>
+              <a:buChar char="•"/>
+              <a:defRPr sz="1800" kern="1200">
+                <a:solidFill>
+                  <a:schemeClr val="tx1"/>
+                </a:solidFill>
+                <a:latin typeface="Arial" panose="020B0604020202020204" pitchFamily="34" charset="0"/>
+                <a:ea typeface="+mn-ea"/>
+                <a:cs typeface="Arial" panose="020B0604020202020204" pitchFamily="34" charset="0"/>
+              </a:defRPr>
+            </a:lvl5pPr>
+            <a:lvl6pPr marL="2514600" indent="-228600" algn="l" defTabSz="914400" rtl="0" eaLnBrk="1" latinLnBrk="0" hangingPunct="1">
+              <a:lnSpc>
+                <a:spcPct val="90000"/>
+              </a:lnSpc>
+              <a:spcBef>
+                <a:spcPts val="500"/>
+              </a:spcBef>
+              <a:buFont typeface="Arial" panose="020B0604020202020204" pitchFamily="34" charset="0"/>
+              <a:buChar char="•"/>
+              <a:defRPr sz="1800" kern="1200">
+                <a:solidFill>
+                  <a:schemeClr val="tx1"/>
+                </a:solidFill>
+                <a:latin typeface="+mn-lt"/>
+                <a:ea typeface="+mn-ea"/>
+                <a:cs typeface="+mn-cs"/>
+              </a:defRPr>
+            </a:lvl6pPr>
+            <a:lvl7pPr marL="2971800" indent="-228600" algn="l" defTabSz="914400" rtl="0" eaLnBrk="1" latinLnBrk="0" hangingPunct="1">
+              <a:lnSpc>
+                <a:spcPct val="90000"/>
+              </a:lnSpc>
+              <a:spcBef>
+                <a:spcPts val="500"/>
+              </a:spcBef>
+              <a:buFont typeface="Arial" panose="020B0604020202020204" pitchFamily="34" charset="0"/>
+              <a:buChar char="•"/>
+              <a:defRPr sz="1800" kern="1200">
+                <a:solidFill>
+                  <a:schemeClr val="tx1"/>
+                </a:solidFill>
+                <a:latin typeface="+mn-lt"/>
+                <a:ea typeface="+mn-ea"/>
+                <a:cs typeface="+mn-cs"/>
+              </a:defRPr>
+            </a:lvl7pPr>
+            <a:lvl8pPr marL="3429000" indent="-228600" algn="l" defTabSz="914400" rtl="0" eaLnBrk="1" latinLnBrk="0" hangingPunct="1">
+              <a:lnSpc>
+                <a:spcPct val="90000"/>
+              </a:lnSpc>
+              <a:spcBef>
+                <a:spcPts val="500"/>
+              </a:spcBef>
+              <a:buFont typeface="Arial" panose="020B0604020202020204" pitchFamily="34" charset="0"/>
+              <a:buChar char="•"/>
+              <a:defRPr sz="1800" kern="1200">
+                <a:solidFill>
+                  <a:schemeClr val="tx1"/>
+                </a:solidFill>
+                <a:latin typeface="+mn-lt"/>
+                <a:ea typeface="+mn-ea"/>
+                <a:cs typeface="+mn-cs"/>
+              </a:defRPr>
+            </a:lvl8pPr>
+            <a:lvl9pPr marL="3886200" indent="-228600" algn="l" defTabSz="914400" rtl="0" eaLnBrk="1" latinLnBrk="0" hangingPunct="1">
+              <a:lnSpc>
+                <a:spcPct val="90000"/>
+              </a:lnSpc>
+              <a:spcBef>
+                <a:spcPts val="500"/>
+              </a:spcBef>
+              <a:buFont typeface="Arial" panose="020B0604020202020204" pitchFamily="34" charset="0"/>
+              <a:buChar char="•"/>
+              <a:defRPr sz="1800" kern="1200">
+                <a:solidFill>
+                  <a:schemeClr val="tx1"/>
+                </a:solidFill>
+                <a:latin typeface="+mn-lt"/>
+                <a:ea typeface="+mn-ea"/>
+                <a:cs typeface="+mn-cs"/>
+              </a:defRPr>
+            </a:lvl9pPr>
+          </a:lstStyle>
+          <a:p>
+            <a:pPr marL="0" indent="0" algn="just">
+              <a:buNone/>
+            </a:pPr>
+            <a:r>
+              <a:rPr lang="en-US" sz="1400" dirty="0"/>
+              <a:t>RSS </a:t>
+            </a:r>
+            <a:r>
+              <a:rPr lang="ru-RU" sz="1400" dirty="0"/>
+              <a:t>не позволяет задать дату или период, за который запрашиваются данные. Следовательно для инкрементальной загрузки необходимо выполнять предварительный </a:t>
+            </a:r>
+            <a:r>
+              <a:rPr lang="ru-RU" sz="1400" dirty="0" err="1"/>
+              <a:t>парсинг</a:t>
+            </a:r>
+            <a:r>
+              <a:rPr lang="ru-RU" sz="1400" dirty="0"/>
+              <a:t> данных и проверять, есть актуальные. Поэтому сырого слоя данных в чистом виде нет. Его создание в данной задаче просто нецелесообразно. В дизайне заложено неограниченное количество источников новостей</a:t>
+            </a:r>
+          </a:p>
+        </p:txBody>
+      </p:sp>
+      <p:sp>
+        <p:nvSpPr>
+          <p:cNvPr id="17" name="Объект 2">
+            <a:extLst>
+              <a:ext uri="{FF2B5EF4-FFF2-40B4-BE49-F238E27FC236}">
+                <a16:creationId xmlns:a16="http://schemas.microsoft.com/office/drawing/2014/main" id="{AA0F21E7-8901-BF83-8FF4-B7F75B26C4E4}"/>
+              </a:ext>
+            </a:extLst>
+          </p:cNvPr>
+          <p:cNvSpPr txBox="1">
+            <a:spLocks/>
+          </p:cNvSpPr>
+          <p:nvPr/>
+        </p:nvSpPr>
+        <p:spPr>
+          <a:xfrm>
+            <a:off x="609561" y="4245737"/>
+            <a:ext cx="2466706" cy="567763"/>
+          </a:xfrm>
+          <a:prstGeom prst="rect">
+            <a:avLst/>
+          </a:prstGeom>
+        </p:spPr>
+        <p:txBody>
+          <a:bodyPr vert="horz" lIns="91440" tIns="45720" rIns="91440" bIns="45720" rtlCol="0" anchor="ctr">
+            <a:normAutofit fontScale="77500" lnSpcReduction="20000"/>
+          </a:bodyPr>
+          <a:lstStyle>
+            <a:lvl1pPr marL="0" indent="0" algn="l" defTabSz="914400" rtl="0" eaLnBrk="1" latinLnBrk="0" hangingPunct="1">
+              <a:lnSpc>
+                <a:spcPct val="90000"/>
+              </a:lnSpc>
+              <a:spcBef>
+                <a:spcPts val="1000"/>
+              </a:spcBef>
+              <a:buFont typeface="Arial" panose="020B0604020202020204" pitchFamily="34" charset="0"/>
+              <a:buNone/>
+              <a:defRPr lang="en-US" sz="2000" kern="1200" cap="all" spc="150" baseline="0" dirty="0" smtClean="0">
+                <a:solidFill>
+                  <a:schemeClr val="tx1"/>
+                </a:solidFill>
+                <a:latin typeface="Arial" panose="020B0604020202020204" pitchFamily="34" charset="0"/>
+                <a:ea typeface="+mj-ea"/>
+                <a:cs typeface="+mj-cs"/>
+              </a:defRPr>
+            </a:lvl1pPr>
+            <a:lvl2pPr marL="457200" indent="0" algn="l" defTabSz="914400" rtl="0" eaLnBrk="1" latinLnBrk="0" hangingPunct="1">
+              <a:lnSpc>
+                <a:spcPct val="90000"/>
+              </a:lnSpc>
+              <a:spcBef>
+                <a:spcPts val="500"/>
+              </a:spcBef>
+              <a:buFont typeface="Arial" panose="020B0604020202020204" pitchFamily="34" charset="0"/>
+              <a:buNone/>
+              <a:defRPr sz="2000" b="1" kern="1200">
+                <a:solidFill>
+                  <a:schemeClr val="tx1"/>
+                </a:solidFill>
+                <a:latin typeface="Arial" panose="020B0604020202020204" pitchFamily="34" charset="0"/>
+                <a:ea typeface="+mn-ea"/>
+                <a:cs typeface="Arial" panose="020B0604020202020204" pitchFamily="34" charset="0"/>
+              </a:defRPr>
+            </a:lvl2pPr>
+            <a:lvl3pPr marL="914400" indent="0" algn="l" defTabSz="914400" rtl="0" eaLnBrk="1" latinLnBrk="0" hangingPunct="1">
+              <a:lnSpc>
+                <a:spcPct val="90000"/>
+              </a:lnSpc>
+              <a:spcBef>
+                <a:spcPts val="500"/>
+              </a:spcBef>
+              <a:buFont typeface="Arial" panose="020B0604020202020204" pitchFamily="34" charset="0"/>
+              <a:buNone/>
+              <a:defRPr sz="1800" b="1" kern="1200">
+                <a:solidFill>
+                  <a:schemeClr val="tx1"/>
+                </a:solidFill>
+                <a:latin typeface="Arial" panose="020B0604020202020204" pitchFamily="34" charset="0"/>
+                <a:ea typeface="+mn-ea"/>
+                <a:cs typeface="Arial" panose="020B0604020202020204" pitchFamily="34" charset="0"/>
+              </a:defRPr>
+            </a:lvl3pPr>
+            <a:lvl4pPr marL="1371600" indent="0" algn="l" defTabSz="914400" rtl="0" eaLnBrk="1" latinLnBrk="0" hangingPunct="1">
+              <a:lnSpc>
+                <a:spcPct val="90000"/>
+              </a:lnSpc>
+              <a:spcBef>
+                <a:spcPts val="500"/>
+              </a:spcBef>
+              <a:buFont typeface="Arial" panose="020B0604020202020204" pitchFamily="34" charset="0"/>
+              <a:buNone/>
+              <a:defRPr sz="1600" b="1" kern="1200">
+                <a:solidFill>
+                  <a:schemeClr val="tx1"/>
+                </a:solidFill>
+                <a:latin typeface="Arial" panose="020B0604020202020204" pitchFamily="34" charset="0"/>
+                <a:ea typeface="+mn-ea"/>
+                <a:cs typeface="Arial" panose="020B0604020202020204" pitchFamily="34" charset="0"/>
+              </a:defRPr>
+            </a:lvl4pPr>
+            <a:lvl5pPr marL="1828800" indent="0" algn="l" defTabSz="914400" rtl="0" eaLnBrk="1" latinLnBrk="0" hangingPunct="1">
+              <a:lnSpc>
+                <a:spcPct val="90000"/>
+              </a:lnSpc>
+              <a:spcBef>
+                <a:spcPts val="500"/>
+              </a:spcBef>
+              <a:buFont typeface="Arial" panose="020B0604020202020204" pitchFamily="34" charset="0"/>
+              <a:buNone/>
+              <a:defRPr sz="1600" b="1" kern="1200">
+                <a:solidFill>
+                  <a:schemeClr val="tx1"/>
+                </a:solidFill>
+                <a:latin typeface="Arial" panose="020B0604020202020204" pitchFamily="34" charset="0"/>
+                <a:ea typeface="+mn-ea"/>
+                <a:cs typeface="Arial" panose="020B0604020202020204" pitchFamily="34" charset="0"/>
+              </a:defRPr>
+            </a:lvl5pPr>
+            <a:lvl6pPr marL="2286000" indent="0" algn="l" defTabSz="914400" rtl="0" eaLnBrk="1" latinLnBrk="0" hangingPunct="1">
+              <a:lnSpc>
+                <a:spcPct val="90000"/>
+              </a:lnSpc>
+              <a:spcBef>
+                <a:spcPts val="500"/>
+              </a:spcBef>
+              <a:buFont typeface="Arial" panose="020B0604020202020204" pitchFamily="34" charset="0"/>
+              <a:buNone/>
+              <a:defRPr sz="1600" b="1" kern="1200">
+                <a:solidFill>
+                  <a:schemeClr val="tx1"/>
+                </a:solidFill>
+                <a:latin typeface="+mn-lt"/>
+                <a:ea typeface="+mn-ea"/>
+                <a:cs typeface="+mn-cs"/>
+              </a:defRPr>
+            </a:lvl6pPr>
+            <a:lvl7pPr marL="2743200" indent="0" algn="l" defTabSz="914400" rtl="0" eaLnBrk="1" latinLnBrk="0" hangingPunct="1">
+              <a:lnSpc>
+                <a:spcPct val="90000"/>
+              </a:lnSpc>
+              <a:spcBef>
+                <a:spcPts val="500"/>
+              </a:spcBef>
+              <a:buFont typeface="Arial" panose="020B0604020202020204" pitchFamily="34" charset="0"/>
+              <a:buNone/>
+              <a:defRPr sz="1600" b="1" kern="1200">
+                <a:solidFill>
+                  <a:schemeClr val="tx1"/>
+                </a:solidFill>
+                <a:latin typeface="+mn-lt"/>
+                <a:ea typeface="+mn-ea"/>
+                <a:cs typeface="+mn-cs"/>
+              </a:defRPr>
+            </a:lvl7pPr>
+            <a:lvl8pPr marL="3200400" indent="0" algn="l" defTabSz="914400" rtl="0" eaLnBrk="1" latinLnBrk="0" hangingPunct="1">
+              <a:lnSpc>
+                <a:spcPct val="90000"/>
+              </a:lnSpc>
+              <a:spcBef>
+                <a:spcPts val="500"/>
+              </a:spcBef>
+              <a:buFont typeface="Arial" panose="020B0604020202020204" pitchFamily="34" charset="0"/>
+              <a:buNone/>
+              <a:defRPr sz="1600" b="1" kern="1200">
+                <a:solidFill>
+                  <a:schemeClr val="tx1"/>
+                </a:solidFill>
+                <a:latin typeface="+mn-lt"/>
+                <a:ea typeface="+mn-ea"/>
+                <a:cs typeface="+mn-cs"/>
+              </a:defRPr>
+            </a:lvl8pPr>
+            <a:lvl9pPr marL="3657600" indent="0" algn="l" defTabSz="914400" rtl="0" eaLnBrk="1" latinLnBrk="0" hangingPunct="1">
+              <a:lnSpc>
+                <a:spcPct val="90000"/>
+              </a:lnSpc>
+              <a:spcBef>
+                <a:spcPts val="500"/>
+              </a:spcBef>
+              <a:buFont typeface="Arial" panose="020B0604020202020204" pitchFamily="34" charset="0"/>
+              <a:buNone/>
+              <a:defRPr sz="1600" b="1" kern="1200">
+                <a:solidFill>
+                  <a:schemeClr val="tx1"/>
+                </a:solidFill>
+                <a:latin typeface="+mn-lt"/>
+                <a:ea typeface="+mn-ea"/>
+                <a:cs typeface="+mn-cs"/>
+              </a:defRPr>
+            </a:lvl9pPr>
+          </a:lstStyle>
+          <a:p>
+            <a:r>
+              <a:rPr lang="ru-RU" dirty="0"/>
+              <a:t>Подготовка</a:t>
+            </a:r>
+          </a:p>
+          <a:p>
+            <a:r>
+              <a:rPr lang="ru-RU" dirty="0"/>
+              <a:t>данных</a:t>
+            </a:r>
+          </a:p>
+        </p:txBody>
+      </p:sp>
+      <p:sp>
+        <p:nvSpPr>
+          <p:cNvPr id="18" name="Текст 6">
+            <a:extLst>
+              <a:ext uri="{FF2B5EF4-FFF2-40B4-BE49-F238E27FC236}">
+                <a16:creationId xmlns:a16="http://schemas.microsoft.com/office/drawing/2014/main" id="{F88E528F-D1F1-66B5-B579-512AE345954C}"/>
+              </a:ext>
+            </a:extLst>
+          </p:cNvPr>
+          <p:cNvSpPr txBox="1">
+            <a:spLocks/>
+          </p:cNvSpPr>
+          <p:nvPr/>
+        </p:nvSpPr>
+        <p:spPr>
+          <a:xfrm rot="10800000" flipV="1">
+            <a:off x="2512463" y="4181706"/>
+            <a:ext cx="8434691" cy="695823"/>
+          </a:xfrm>
+          <a:prstGeom prst="rect">
+            <a:avLst/>
+          </a:prstGeom>
+        </p:spPr>
+        <p:txBody>
+          <a:bodyPr rtlCol="0"/>
+          <a:lstStyle>
+            <a:lvl1pPr marL="228600" indent="-228600" algn="l" defTabSz="914400" rtl="0" eaLnBrk="1" latinLnBrk="0" hangingPunct="1">
+              <a:lnSpc>
+                <a:spcPct val="90000"/>
+              </a:lnSpc>
+              <a:spcBef>
+                <a:spcPts val="1000"/>
+              </a:spcBef>
+              <a:buFont typeface="Arial" panose="020B0604020202020204" pitchFamily="34" charset="0"/>
+              <a:buChar char="•"/>
+              <a:defRPr sz="2800" kern="1200">
+                <a:solidFill>
+                  <a:schemeClr val="tx1"/>
+                </a:solidFill>
+                <a:latin typeface="Arial" panose="020B0604020202020204" pitchFamily="34" charset="0"/>
+                <a:ea typeface="+mn-ea"/>
+                <a:cs typeface="Arial" panose="020B0604020202020204" pitchFamily="34" charset="0"/>
+              </a:defRPr>
+            </a:lvl1pPr>
+            <a:lvl2pPr marL="685800" indent="-228600" algn="l" defTabSz="914400" rtl="0" eaLnBrk="1" latinLnBrk="0" hangingPunct="1">
+              <a:lnSpc>
+                <a:spcPct val="90000"/>
+              </a:lnSpc>
+              <a:spcBef>
+                <a:spcPts val="500"/>
+              </a:spcBef>
+              <a:buFont typeface="Arial" panose="020B0604020202020204" pitchFamily="34" charset="0"/>
+              <a:buChar char="•"/>
+              <a:defRPr sz="2400" kern="1200">
+                <a:solidFill>
+                  <a:schemeClr val="tx1"/>
+                </a:solidFill>
+                <a:latin typeface="Arial" panose="020B0604020202020204" pitchFamily="34" charset="0"/>
+                <a:ea typeface="+mn-ea"/>
+                <a:cs typeface="Arial" panose="020B0604020202020204" pitchFamily="34" charset="0"/>
+              </a:defRPr>
+            </a:lvl2pPr>
+            <a:lvl3pPr marL="1143000" indent="-228600" algn="l" defTabSz="914400" rtl="0" eaLnBrk="1" latinLnBrk="0" hangingPunct="1">
+              <a:lnSpc>
+                <a:spcPct val="90000"/>
+              </a:lnSpc>
+              <a:spcBef>
+                <a:spcPts val="500"/>
+              </a:spcBef>
+              <a:buFont typeface="Arial" panose="020B0604020202020204" pitchFamily="34" charset="0"/>
+              <a:buChar char="•"/>
+              <a:defRPr sz="2000" kern="1200">
+                <a:solidFill>
+                  <a:schemeClr val="tx1"/>
+                </a:solidFill>
+                <a:latin typeface="Arial" panose="020B0604020202020204" pitchFamily="34" charset="0"/>
+                <a:ea typeface="+mn-ea"/>
+                <a:cs typeface="Arial" panose="020B0604020202020204" pitchFamily="34" charset="0"/>
+              </a:defRPr>
+            </a:lvl3pPr>
+            <a:lvl4pPr marL="1600200" indent="-228600" algn="l" defTabSz="914400" rtl="0" eaLnBrk="1" latinLnBrk="0" hangingPunct="1">
+              <a:lnSpc>
+                <a:spcPct val="90000"/>
+              </a:lnSpc>
+              <a:spcBef>
+                <a:spcPts val="500"/>
+              </a:spcBef>
+              <a:buFont typeface="Arial" panose="020B0604020202020204" pitchFamily="34" charset="0"/>
+              <a:buChar char="•"/>
+              <a:defRPr sz="1800" kern="1200">
+                <a:solidFill>
+                  <a:schemeClr val="tx1"/>
+                </a:solidFill>
+                <a:latin typeface="Arial" panose="020B0604020202020204" pitchFamily="34" charset="0"/>
+                <a:ea typeface="+mn-ea"/>
+                <a:cs typeface="Arial" panose="020B0604020202020204" pitchFamily="34" charset="0"/>
+              </a:defRPr>
+            </a:lvl4pPr>
+            <a:lvl5pPr marL="2057400" indent="-228600" algn="l" defTabSz="914400" rtl="0" eaLnBrk="1" latinLnBrk="0" hangingPunct="1">
+              <a:lnSpc>
+                <a:spcPct val="90000"/>
+              </a:lnSpc>
+              <a:spcBef>
+                <a:spcPts val="500"/>
+              </a:spcBef>
+              <a:buFont typeface="Arial" panose="020B0604020202020204" pitchFamily="34" charset="0"/>
+              <a:buChar char="•"/>
+              <a:defRPr sz="1800" kern="1200">
+                <a:solidFill>
+                  <a:schemeClr val="tx1"/>
+                </a:solidFill>
+                <a:latin typeface="Arial" panose="020B0604020202020204" pitchFamily="34" charset="0"/>
+                <a:ea typeface="+mn-ea"/>
+                <a:cs typeface="Arial" panose="020B0604020202020204" pitchFamily="34" charset="0"/>
+              </a:defRPr>
+            </a:lvl5pPr>
+            <a:lvl6pPr marL="2514600" indent="-228600" algn="l" defTabSz="914400" rtl="0" eaLnBrk="1" latinLnBrk="0" hangingPunct="1">
+              <a:lnSpc>
+                <a:spcPct val="90000"/>
+              </a:lnSpc>
+              <a:spcBef>
+                <a:spcPts val="500"/>
+              </a:spcBef>
+              <a:buFont typeface="Arial" panose="020B0604020202020204" pitchFamily="34" charset="0"/>
+              <a:buChar char="•"/>
+              <a:defRPr sz="1800" kern="1200">
+                <a:solidFill>
+                  <a:schemeClr val="tx1"/>
+                </a:solidFill>
+                <a:latin typeface="+mn-lt"/>
+                <a:ea typeface="+mn-ea"/>
+                <a:cs typeface="+mn-cs"/>
+              </a:defRPr>
+            </a:lvl6pPr>
+            <a:lvl7pPr marL="2971800" indent="-228600" algn="l" defTabSz="914400" rtl="0" eaLnBrk="1" latinLnBrk="0" hangingPunct="1">
+              <a:lnSpc>
+                <a:spcPct val="90000"/>
+              </a:lnSpc>
+              <a:spcBef>
+                <a:spcPts val="500"/>
+              </a:spcBef>
+              <a:buFont typeface="Arial" panose="020B0604020202020204" pitchFamily="34" charset="0"/>
+              <a:buChar char="•"/>
+              <a:defRPr sz="1800" kern="1200">
+                <a:solidFill>
+                  <a:schemeClr val="tx1"/>
+                </a:solidFill>
+                <a:latin typeface="+mn-lt"/>
+                <a:ea typeface="+mn-ea"/>
+                <a:cs typeface="+mn-cs"/>
+              </a:defRPr>
+            </a:lvl7pPr>
+            <a:lvl8pPr marL="3429000" indent="-228600" algn="l" defTabSz="914400" rtl="0" eaLnBrk="1" latinLnBrk="0" hangingPunct="1">
+              <a:lnSpc>
+                <a:spcPct val="90000"/>
+              </a:lnSpc>
+              <a:spcBef>
+                <a:spcPts val="500"/>
+              </a:spcBef>
+              <a:buFont typeface="Arial" panose="020B0604020202020204" pitchFamily="34" charset="0"/>
+              <a:buChar char="•"/>
+              <a:defRPr sz="1800" kern="1200">
+                <a:solidFill>
+                  <a:schemeClr val="tx1"/>
+                </a:solidFill>
+                <a:latin typeface="+mn-lt"/>
+                <a:ea typeface="+mn-ea"/>
+                <a:cs typeface="+mn-cs"/>
+              </a:defRPr>
+            </a:lvl8pPr>
+            <a:lvl9pPr marL="3886200" indent="-228600" algn="l" defTabSz="914400" rtl="0" eaLnBrk="1" latinLnBrk="0" hangingPunct="1">
+              <a:lnSpc>
+                <a:spcPct val="90000"/>
+              </a:lnSpc>
+              <a:spcBef>
+                <a:spcPts val="500"/>
+              </a:spcBef>
+              <a:buFont typeface="Arial" panose="020B0604020202020204" pitchFamily="34" charset="0"/>
+              <a:buChar char="•"/>
+              <a:defRPr sz="1800" kern="1200">
+                <a:solidFill>
+                  <a:schemeClr val="tx1"/>
+                </a:solidFill>
+                <a:latin typeface="+mn-lt"/>
+                <a:ea typeface="+mn-ea"/>
+                <a:cs typeface="+mn-cs"/>
+              </a:defRPr>
+            </a:lvl9pPr>
+          </a:lstStyle>
+          <a:p>
+            <a:pPr marL="0" indent="0" algn="just">
+              <a:buNone/>
+            </a:pPr>
+            <a:r>
+              <a:rPr lang="ru-RU" sz="1400" dirty="0"/>
+              <a:t>После первичной загрузки данные очищаются и подготавливаются для дальнейшего анализа. На данный момент этот этап является синтетическим, так как на нём проводится только очистка дубликатов, которые присутствуют в исходной </a:t>
+            </a:r>
+            <a:r>
+              <a:rPr lang="en-US" sz="1400" dirty="0" err="1"/>
+              <a:t>rss</a:t>
+            </a:r>
+            <a:r>
+              <a:rPr lang="en-US" sz="1400" dirty="0"/>
+              <a:t> </a:t>
+            </a:r>
+            <a:r>
+              <a:rPr lang="ru-RU" sz="1400" dirty="0"/>
+              <a:t>ленте</a:t>
+            </a:r>
+          </a:p>
+        </p:txBody>
+      </p:sp>
+      <p:sp>
+        <p:nvSpPr>
+          <p:cNvPr id="20" name="Объект 2">
+            <a:extLst>
+              <a:ext uri="{FF2B5EF4-FFF2-40B4-BE49-F238E27FC236}">
+                <a16:creationId xmlns:a16="http://schemas.microsoft.com/office/drawing/2014/main" id="{E3180644-7A54-8CD5-95E6-E9229E27CEA8}"/>
+              </a:ext>
+            </a:extLst>
+          </p:cNvPr>
+          <p:cNvSpPr txBox="1">
+            <a:spLocks/>
+          </p:cNvSpPr>
+          <p:nvPr/>
+        </p:nvSpPr>
+        <p:spPr>
+          <a:xfrm>
+            <a:off x="609561" y="5077254"/>
+            <a:ext cx="2466706" cy="567763"/>
+          </a:xfrm>
+          <a:prstGeom prst="rect">
+            <a:avLst/>
+          </a:prstGeom>
+        </p:spPr>
+        <p:txBody>
+          <a:bodyPr vert="horz" lIns="91440" tIns="45720" rIns="91440" bIns="45720" rtlCol="0" anchor="ctr">
+            <a:normAutofit fontScale="77500" lnSpcReduction="20000"/>
+          </a:bodyPr>
+          <a:lstStyle>
+            <a:lvl1pPr marL="0" indent="0" algn="l" defTabSz="914400" rtl="0" eaLnBrk="1" latinLnBrk="0" hangingPunct="1">
+              <a:lnSpc>
+                <a:spcPct val="90000"/>
+              </a:lnSpc>
+              <a:spcBef>
+                <a:spcPts val="1000"/>
+              </a:spcBef>
+              <a:buFont typeface="Arial" panose="020B0604020202020204" pitchFamily="34" charset="0"/>
+              <a:buNone/>
+              <a:defRPr lang="en-US" sz="2000" kern="1200" cap="all" spc="150" baseline="0" dirty="0" smtClean="0">
+                <a:solidFill>
+                  <a:schemeClr val="tx1"/>
+                </a:solidFill>
+                <a:latin typeface="Arial" panose="020B0604020202020204" pitchFamily="34" charset="0"/>
+                <a:ea typeface="+mj-ea"/>
+                <a:cs typeface="+mj-cs"/>
+              </a:defRPr>
+            </a:lvl1pPr>
+            <a:lvl2pPr marL="457200" indent="0" algn="l" defTabSz="914400" rtl="0" eaLnBrk="1" latinLnBrk="0" hangingPunct="1">
+              <a:lnSpc>
+                <a:spcPct val="90000"/>
+              </a:lnSpc>
+              <a:spcBef>
+                <a:spcPts val="500"/>
+              </a:spcBef>
+              <a:buFont typeface="Arial" panose="020B0604020202020204" pitchFamily="34" charset="0"/>
+              <a:buNone/>
+              <a:defRPr sz="2000" b="1" kern="1200">
+                <a:solidFill>
+                  <a:schemeClr val="tx1"/>
+                </a:solidFill>
+                <a:latin typeface="Arial" panose="020B0604020202020204" pitchFamily="34" charset="0"/>
+                <a:ea typeface="+mn-ea"/>
+                <a:cs typeface="Arial" panose="020B0604020202020204" pitchFamily="34" charset="0"/>
+              </a:defRPr>
+            </a:lvl2pPr>
+            <a:lvl3pPr marL="914400" indent="0" algn="l" defTabSz="914400" rtl="0" eaLnBrk="1" latinLnBrk="0" hangingPunct="1">
+              <a:lnSpc>
+                <a:spcPct val="90000"/>
+              </a:lnSpc>
+              <a:spcBef>
+                <a:spcPts val="500"/>
+              </a:spcBef>
+              <a:buFont typeface="Arial" panose="020B0604020202020204" pitchFamily="34" charset="0"/>
+              <a:buNone/>
+              <a:defRPr sz="1800" b="1" kern="1200">
+                <a:solidFill>
+                  <a:schemeClr val="tx1"/>
+                </a:solidFill>
+                <a:latin typeface="Arial" panose="020B0604020202020204" pitchFamily="34" charset="0"/>
+                <a:ea typeface="+mn-ea"/>
+                <a:cs typeface="Arial" panose="020B0604020202020204" pitchFamily="34" charset="0"/>
+              </a:defRPr>
+            </a:lvl3pPr>
+            <a:lvl4pPr marL="1371600" indent="0" algn="l" defTabSz="914400" rtl="0" eaLnBrk="1" latinLnBrk="0" hangingPunct="1">
+              <a:lnSpc>
+                <a:spcPct val="90000"/>
+              </a:lnSpc>
+              <a:spcBef>
+                <a:spcPts val="500"/>
+              </a:spcBef>
+              <a:buFont typeface="Arial" panose="020B0604020202020204" pitchFamily="34" charset="0"/>
+              <a:buNone/>
+              <a:defRPr sz="1600" b="1" kern="1200">
+                <a:solidFill>
+                  <a:schemeClr val="tx1"/>
+                </a:solidFill>
+                <a:latin typeface="Arial" panose="020B0604020202020204" pitchFamily="34" charset="0"/>
+                <a:ea typeface="+mn-ea"/>
+                <a:cs typeface="Arial" panose="020B0604020202020204" pitchFamily="34" charset="0"/>
+              </a:defRPr>
+            </a:lvl4pPr>
+            <a:lvl5pPr marL="1828800" indent="0" algn="l" defTabSz="914400" rtl="0" eaLnBrk="1" latinLnBrk="0" hangingPunct="1">
+              <a:lnSpc>
+                <a:spcPct val="90000"/>
+              </a:lnSpc>
+              <a:spcBef>
+                <a:spcPts val="500"/>
+              </a:spcBef>
+              <a:buFont typeface="Arial" panose="020B0604020202020204" pitchFamily="34" charset="0"/>
+              <a:buNone/>
+              <a:defRPr sz="1600" b="1" kern="1200">
+                <a:solidFill>
+                  <a:schemeClr val="tx1"/>
+                </a:solidFill>
+                <a:latin typeface="Arial" panose="020B0604020202020204" pitchFamily="34" charset="0"/>
+                <a:ea typeface="+mn-ea"/>
+                <a:cs typeface="Arial" panose="020B0604020202020204" pitchFamily="34" charset="0"/>
+              </a:defRPr>
+            </a:lvl5pPr>
+            <a:lvl6pPr marL="2286000" indent="0" algn="l" defTabSz="914400" rtl="0" eaLnBrk="1" latinLnBrk="0" hangingPunct="1">
+              <a:lnSpc>
+                <a:spcPct val="90000"/>
+              </a:lnSpc>
+              <a:spcBef>
+                <a:spcPts val="500"/>
+              </a:spcBef>
+              <a:buFont typeface="Arial" panose="020B0604020202020204" pitchFamily="34" charset="0"/>
+              <a:buNone/>
+              <a:defRPr sz="1600" b="1" kern="1200">
+                <a:solidFill>
+                  <a:schemeClr val="tx1"/>
+                </a:solidFill>
+                <a:latin typeface="+mn-lt"/>
+                <a:ea typeface="+mn-ea"/>
+                <a:cs typeface="+mn-cs"/>
+              </a:defRPr>
+            </a:lvl6pPr>
+            <a:lvl7pPr marL="2743200" indent="0" algn="l" defTabSz="914400" rtl="0" eaLnBrk="1" latinLnBrk="0" hangingPunct="1">
+              <a:lnSpc>
+                <a:spcPct val="90000"/>
+              </a:lnSpc>
+              <a:spcBef>
+                <a:spcPts val="500"/>
+              </a:spcBef>
+              <a:buFont typeface="Arial" panose="020B0604020202020204" pitchFamily="34" charset="0"/>
+              <a:buNone/>
+              <a:defRPr sz="1600" b="1" kern="1200">
+                <a:solidFill>
+                  <a:schemeClr val="tx1"/>
+                </a:solidFill>
+                <a:latin typeface="+mn-lt"/>
+                <a:ea typeface="+mn-ea"/>
+                <a:cs typeface="+mn-cs"/>
+              </a:defRPr>
+            </a:lvl7pPr>
+            <a:lvl8pPr marL="3200400" indent="0" algn="l" defTabSz="914400" rtl="0" eaLnBrk="1" latinLnBrk="0" hangingPunct="1">
+              <a:lnSpc>
+                <a:spcPct val="90000"/>
+              </a:lnSpc>
+              <a:spcBef>
+                <a:spcPts val="500"/>
+              </a:spcBef>
+              <a:buFont typeface="Arial" panose="020B0604020202020204" pitchFamily="34" charset="0"/>
+              <a:buNone/>
+              <a:defRPr sz="1600" b="1" kern="1200">
+                <a:solidFill>
+                  <a:schemeClr val="tx1"/>
+                </a:solidFill>
+                <a:latin typeface="+mn-lt"/>
+                <a:ea typeface="+mn-ea"/>
+                <a:cs typeface="+mn-cs"/>
+              </a:defRPr>
+            </a:lvl8pPr>
+            <a:lvl9pPr marL="3657600" indent="0" algn="l" defTabSz="914400" rtl="0" eaLnBrk="1" latinLnBrk="0" hangingPunct="1">
+              <a:lnSpc>
+                <a:spcPct val="90000"/>
+              </a:lnSpc>
+              <a:spcBef>
+                <a:spcPts val="500"/>
+              </a:spcBef>
+              <a:buFont typeface="Arial" panose="020B0604020202020204" pitchFamily="34" charset="0"/>
+              <a:buNone/>
+              <a:defRPr sz="1600" b="1" kern="1200">
+                <a:solidFill>
+                  <a:schemeClr val="tx1"/>
+                </a:solidFill>
+                <a:latin typeface="+mn-lt"/>
+                <a:ea typeface="+mn-ea"/>
+                <a:cs typeface="+mn-cs"/>
+              </a:defRPr>
+            </a:lvl9pPr>
+          </a:lstStyle>
+          <a:p>
+            <a:r>
+              <a:rPr lang="ru-RU" dirty="0"/>
+              <a:t>Подготовка</a:t>
+            </a:r>
+          </a:p>
+          <a:p>
+            <a:r>
+              <a:rPr lang="ru-RU" dirty="0"/>
+              <a:t>ВИТРИН</a:t>
+            </a:r>
+          </a:p>
+        </p:txBody>
+      </p:sp>
+      <p:sp>
+        <p:nvSpPr>
+          <p:cNvPr id="21" name="Текст 6">
+            <a:extLst>
+              <a:ext uri="{FF2B5EF4-FFF2-40B4-BE49-F238E27FC236}">
+                <a16:creationId xmlns:a16="http://schemas.microsoft.com/office/drawing/2014/main" id="{02B7AA6C-37CF-0C1C-259C-2043134191E8}"/>
+              </a:ext>
+            </a:extLst>
+          </p:cNvPr>
+          <p:cNvSpPr txBox="1">
+            <a:spLocks/>
+          </p:cNvSpPr>
+          <p:nvPr/>
+        </p:nvSpPr>
+        <p:spPr>
+          <a:xfrm rot="10800000" flipV="1">
+            <a:off x="2512463" y="5022125"/>
+            <a:ext cx="8434691" cy="695823"/>
+          </a:xfrm>
+          <a:prstGeom prst="rect">
+            <a:avLst/>
+          </a:prstGeom>
+        </p:spPr>
+        <p:txBody>
+          <a:bodyPr rtlCol="0"/>
+          <a:lstStyle>
+            <a:lvl1pPr marL="228600" indent="-228600" algn="l" defTabSz="914400" rtl="0" eaLnBrk="1" latinLnBrk="0" hangingPunct="1">
+              <a:lnSpc>
+                <a:spcPct val="90000"/>
+              </a:lnSpc>
+              <a:spcBef>
+                <a:spcPts val="1000"/>
+              </a:spcBef>
+              <a:buFont typeface="Arial" panose="020B0604020202020204" pitchFamily="34" charset="0"/>
+              <a:buChar char="•"/>
+              <a:defRPr sz="2800" kern="1200">
+                <a:solidFill>
+                  <a:schemeClr val="tx1"/>
+                </a:solidFill>
+                <a:latin typeface="Arial" panose="020B0604020202020204" pitchFamily="34" charset="0"/>
+                <a:ea typeface="+mn-ea"/>
+                <a:cs typeface="Arial" panose="020B0604020202020204" pitchFamily="34" charset="0"/>
+              </a:defRPr>
+            </a:lvl1pPr>
+            <a:lvl2pPr marL="685800" indent="-228600" algn="l" defTabSz="914400" rtl="0" eaLnBrk="1" latinLnBrk="0" hangingPunct="1">
+              <a:lnSpc>
+                <a:spcPct val="90000"/>
+              </a:lnSpc>
+              <a:spcBef>
+                <a:spcPts val="500"/>
+              </a:spcBef>
+              <a:buFont typeface="Arial" panose="020B0604020202020204" pitchFamily="34" charset="0"/>
+              <a:buChar char="•"/>
+              <a:defRPr sz="2400" kern="1200">
+                <a:solidFill>
+                  <a:schemeClr val="tx1"/>
+                </a:solidFill>
+                <a:latin typeface="Arial" panose="020B0604020202020204" pitchFamily="34" charset="0"/>
+                <a:ea typeface="+mn-ea"/>
+                <a:cs typeface="Arial" panose="020B0604020202020204" pitchFamily="34" charset="0"/>
+              </a:defRPr>
+            </a:lvl2pPr>
+            <a:lvl3pPr marL="1143000" indent="-228600" algn="l" defTabSz="914400" rtl="0" eaLnBrk="1" latinLnBrk="0" hangingPunct="1">
+              <a:lnSpc>
+                <a:spcPct val="90000"/>
+              </a:lnSpc>
+              <a:spcBef>
+                <a:spcPts val="500"/>
+              </a:spcBef>
+              <a:buFont typeface="Arial" panose="020B0604020202020204" pitchFamily="34" charset="0"/>
+              <a:buChar char="•"/>
+              <a:defRPr sz="2000" kern="1200">
+                <a:solidFill>
+                  <a:schemeClr val="tx1"/>
+                </a:solidFill>
+                <a:latin typeface="Arial" panose="020B0604020202020204" pitchFamily="34" charset="0"/>
+                <a:ea typeface="+mn-ea"/>
+                <a:cs typeface="Arial" panose="020B0604020202020204" pitchFamily="34" charset="0"/>
+              </a:defRPr>
+            </a:lvl3pPr>
+            <a:lvl4pPr marL="1600200" indent="-228600" algn="l" defTabSz="914400" rtl="0" eaLnBrk="1" latinLnBrk="0" hangingPunct="1">
+              <a:lnSpc>
+                <a:spcPct val="90000"/>
+              </a:lnSpc>
+              <a:spcBef>
+                <a:spcPts val="500"/>
+              </a:spcBef>
+              <a:buFont typeface="Arial" panose="020B0604020202020204" pitchFamily="34" charset="0"/>
+              <a:buChar char="•"/>
+              <a:defRPr sz="1800" kern="1200">
+                <a:solidFill>
+                  <a:schemeClr val="tx1"/>
+                </a:solidFill>
+                <a:latin typeface="Arial" panose="020B0604020202020204" pitchFamily="34" charset="0"/>
+                <a:ea typeface="+mn-ea"/>
+                <a:cs typeface="Arial" panose="020B0604020202020204" pitchFamily="34" charset="0"/>
+              </a:defRPr>
+            </a:lvl4pPr>
+            <a:lvl5pPr marL="2057400" indent="-228600" algn="l" defTabSz="914400" rtl="0" eaLnBrk="1" latinLnBrk="0" hangingPunct="1">
+              <a:lnSpc>
+                <a:spcPct val="90000"/>
+              </a:lnSpc>
+              <a:spcBef>
+                <a:spcPts val="500"/>
+              </a:spcBef>
+              <a:buFont typeface="Arial" panose="020B0604020202020204" pitchFamily="34" charset="0"/>
+              <a:buChar char="•"/>
+              <a:defRPr sz="1800" kern="1200">
+                <a:solidFill>
+                  <a:schemeClr val="tx1"/>
+                </a:solidFill>
+                <a:latin typeface="Arial" panose="020B0604020202020204" pitchFamily="34" charset="0"/>
+                <a:ea typeface="+mn-ea"/>
+                <a:cs typeface="Arial" panose="020B0604020202020204" pitchFamily="34" charset="0"/>
+              </a:defRPr>
+            </a:lvl5pPr>
+            <a:lvl6pPr marL="2514600" indent="-228600" algn="l" defTabSz="914400" rtl="0" eaLnBrk="1" latinLnBrk="0" hangingPunct="1">
+              <a:lnSpc>
+                <a:spcPct val="90000"/>
+              </a:lnSpc>
+              <a:spcBef>
+                <a:spcPts val="500"/>
+              </a:spcBef>
+              <a:buFont typeface="Arial" panose="020B0604020202020204" pitchFamily="34" charset="0"/>
+              <a:buChar char="•"/>
+              <a:defRPr sz="1800" kern="1200">
+                <a:solidFill>
+                  <a:schemeClr val="tx1"/>
+                </a:solidFill>
+                <a:latin typeface="+mn-lt"/>
+                <a:ea typeface="+mn-ea"/>
+                <a:cs typeface="+mn-cs"/>
+              </a:defRPr>
+            </a:lvl6pPr>
+            <a:lvl7pPr marL="2971800" indent="-228600" algn="l" defTabSz="914400" rtl="0" eaLnBrk="1" latinLnBrk="0" hangingPunct="1">
+              <a:lnSpc>
+                <a:spcPct val="90000"/>
+              </a:lnSpc>
+              <a:spcBef>
+                <a:spcPts val="500"/>
+              </a:spcBef>
+              <a:buFont typeface="Arial" panose="020B0604020202020204" pitchFamily="34" charset="0"/>
+              <a:buChar char="•"/>
+              <a:defRPr sz="1800" kern="1200">
+                <a:solidFill>
+                  <a:schemeClr val="tx1"/>
+                </a:solidFill>
+                <a:latin typeface="+mn-lt"/>
+                <a:ea typeface="+mn-ea"/>
+                <a:cs typeface="+mn-cs"/>
+              </a:defRPr>
+            </a:lvl7pPr>
+            <a:lvl8pPr marL="3429000" indent="-228600" algn="l" defTabSz="914400" rtl="0" eaLnBrk="1" latinLnBrk="0" hangingPunct="1">
+              <a:lnSpc>
+                <a:spcPct val="90000"/>
+              </a:lnSpc>
+              <a:spcBef>
+                <a:spcPts val="500"/>
+              </a:spcBef>
+              <a:buFont typeface="Arial" panose="020B0604020202020204" pitchFamily="34" charset="0"/>
+              <a:buChar char="•"/>
+              <a:defRPr sz="1800" kern="1200">
+                <a:solidFill>
+                  <a:schemeClr val="tx1"/>
+                </a:solidFill>
+                <a:latin typeface="+mn-lt"/>
+                <a:ea typeface="+mn-ea"/>
+                <a:cs typeface="+mn-cs"/>
+              </a:defRPr>
+            </a:lvl8pPr>
+            <a:lvl9pPr marL="3886200" indent="-228600" algn="l" defTabSz="914400" rtl="0" eaLnBrk="1" latinLnBrk="0" hangingPunct="1">
+              <a:lnSpc>
+                <a:spcPct val="90000"/>
+              </a:lnSpc>
+              <a:spcBef>
+                <a:spcPts val="500"/>
+              </a:spcBef>
+              <a:buFont typeface="Arial" panose="020B0604020202020204" pitchFamily="34" charset="0"/>
+              <a:buChar char="•"/>
+              <a:defRPr sz="1800" kern="1200">
+                <a:solidFill>
+                  <a:schemeClr val="tx1"/>
+                </a:solidFill>
+                <a:latin typeface="+mn-lt"/>
+                <a:ea typeface="+mn-ea"/>
+                <a:cs typeface="+mn-cs"/>
+              </a:defRPr>
+            </a:lvl9pPr>
+          </a:lstStyle>
+          <a:p>
+            <a:pPr marL="0" indent="0" algn="just">
+              <a:buNone/>
+            </a:pPr>
+            <a:r>
+              <a:rPr lang="ru-RU" sz="1400" dirty="0"/>
+              <a:t>Для хранения данных используется </a:t>
+            </a:r>
+            <a:r>
+              <a:rPr lang="en-US" sz="1400" dirty="0" err="1"/>
+              <a:t>PostgeSQL</a:t>
+            </a:r>
+            <a:r>
+              <a:rPr lang="ru-RU" sz="1400" dirty="0"/>
+              <a:t>, а для формирования витрин </a:t>
+            </a:r>
+            <a:r>
+              <a:rPr lang="en-US" sz="1400" dirty="0"/>
+              <a:t>materialized view. </a:t>
+            </a:r>
+            <a:r>
+              <a:rPr lang="ru-RU" sz="1400" dirty="0"/>
+              <a:t>Так как количество источников может меняться пользователем, а дизайн витрины предусматривает отдельные колонки для сводных данных по каждому источнику новостей, то проводится проверка, не появились ли новые источники, и, если да, то витрина пересоздаётся</a:t>
+            </a:r>
+          </a:p>
+        </p:txBody>
+      </p:sp>
+      <p:sp>
+        <p:nvSpPr>
+          <p:cNvPr id="22" name="Объект 2">
+            <a:extLst>
+              <a:ext uri="{FF2B5EF4-FFF2-40B4-BE49-F238E27FC236}">
+                <a16:creationId xmlns:a16="http://schemas.microsoft.com/office/drawing/2014/main" id="{E7C51F4F-5FB3-D952-5901-0AEFA3919730}"/>
+              </a:ext>
+            </a:extLst>
+          </p:cNvPr>
+          <p:cNvSpPr txBox="1">
+            <a:spLocks/>
+          </p:cNvSpPr>
+          <p:nvPr/>
+        </p:nvSpPr>
+        <p:spPr>
+          <a:xfrm>
+            <a:off x="609561" y="5957245"/>
+            <a:ext cx="2466706" cy="567763"/>
+          </a:xfrm>
+          <a:prstGeom prst="rect">
+            <a:avLst/>
+          </a:prstGeom>
+        </p:spPr>
+        <p:txBody>
+          <a:bodyPr vert="horz" lIns="91440" tIns="45720" rIns="91440" bIns="45720" rtlCol="0" anchor="ctr">
+            <a:normAutofit fontScale="77500" lnSpcReduction="20000"/>
+          </a:bodyPr>
+          <a:lstStyle>
+            <a:lvl1pPr marL="0" indent="0" algn="l" defTabSz="914400" rtl="0" eaLnBrk="1" latinLnBrk="0" hangingPunct="1">
+              <a:lnSpc>
+                <a:spcPct val="90000"/>
+              </a:lnSpc>
+              <a:spcBef>
+                <a:spcPts val="1000"/>
+              </a:spcBef>
+              <a:buFont typeface="Arial" panose="020B0604020202020204" pitchFamily="34" charset="0"/>
+              <a:buNone/>
+              <a:defRPr lang="en-US" sz="2000" kern="1200" cap="all" spc="150" baseline="0" dirty="0" smtClean="0">
+                <a:solidFill>
+                  <a:schemeClr val="tx1"/>
+                </a:solidFill>
+                <a:latin typeface="Arial" panose="020B0604020202020204" pitchFamily="34" charset="0"/>
+                <a:ea typeface="+mj-ea"/>
+                <a:cs typeface="+mj-cs"/>
+              </a:defRPr>
+            </a:lvl1pPr>
+            <a:lvl2pPr marL="457200" indent="0" algn="l" defTabSz="914400" rtl="0" eaLnBrk="1" latinLnBrk="0" hangingPunct="1">
+              <a:lnSpc>
+                <a:spcPct val="90000"/>
+              </a:lnSpc>
+              <a:spcBef>
+                <a:spcPts val="500"/>
+              </a:spcBef>
+              <a:buFont typeface="Arial" panose="020B0604020202020204" pitchFamily="34" charset="0"/>
+              <a:buNone/>
+              <a:defRPr sz="2000" b="1" kern="1200">
+                <a:solidFill>
+                  <a:schemeClr val="tx1"/>
+                </a:solidFill>
+                <a:latin typeface="Arial" panose="020B0604020202020204" pitchFamily="34" charset="0"/>
+                <a:ea typeface="+mn-ea"/>
+                <a:cs typeface="Arial" panose="020B0604020202020204" pitchFamily="34" charset="0"/>
+              </a:defRPr>
+            </a:lvl2pPr>
+            <a:lvl3pPr marL="914400" indent="0" algn="l" defTabSz="914400" rtl="0" eaLnBrk="1" latinLnBrk="0" hangingPunct="1">
+              <a:lnSpc>
+                <a:spcPct val="90000"/>
+              </a:lnSpc>
+              <a:spcBef>
+                <a:spcPts val="500"/>
+              </a:spcBef>
+              <a:buFont typeface="Arial" panose="020B0604020202020204" pitchFamily="34" charset="0"/>
+              <a:buNone/>
+              <a:defRPr sz="1800" b="1" kern="1200">
+                <a:solidFill>
+                  <a:schemeClr val="tx1"/>
+                </a:solidFill>
+                <a:latin typeface="Arial" panose="020B0604020202020204" pitchFamily="34" charset="0"/>
+                <a:ea typeface="+mn-ea"/>
+                <a:cs typeface="Arial" panose="020B0604020202020204" pitchFamily="34" charset="0"/>
+              </a:defRPr>
+            </a:lvl3pPr>
+            <a:lvl4pPr marL="1371600" indent="0" algn="l" defTabSz="914400" rtl="0" eaLnBrk="1" latinLnBrk="0" hangingPunct="1">
+              <a:lnSpc>
+                <a:spcPct val="90000"/>
+              </a:lnSpc>
+              <a:spcBef>
+                <a:spcPts val="500"/>
+              </a:spcBef>
+              <a:buFont typeface="Arial" panose="020B0604020202020204" pitchFamily="34" charset="0"/>
+              <a:buNone/>
+              <a:defRPr sz="1600" b="1" kern="1200">
+                <a:solidFill>
+                  <a:schemeClr val="tx1"/>
+                </a:solidFill>
+                <a:latin typeface="Arial" panose="020B0604020202020204" pitchFamily="34" charset="0"/>
+                <a:ea typeface="+mn-ea"/>
+                <a:cs typeface="Arial" panose="020B0604020202020204" pitchFamily="34" charset="0"/>
+              </a:defRPr>
+            </a:lvl4pPr>
+            <a:lvl5pPr marL="1828800" indent="0" algn="l" defTabSz="914400" rtl="0" eaLnBrk="1" latinLnBrk="0" hangingPunct="1">
+              <a:lnSpc>
+                <a:spcPct val="90000"/>
+              </a:lnSpc>
+              <a:spcBef>
+                <a:spcPts val="500"/>
+              </a:spcBef>
+              <a:buFont typeface="Arial" panose="020B0604020202020204" pitchFamily="34" charset="0"/>
+              <a:buNone/>
+              <a:defRPr sz="1600" b="1" kern="1200">
+                <a:solidFill>
+                  <a:schemeClr val="tx1"/>
+                </a:solidFill>
+                <a:latin typeface="Arial" panose="020B0604020202020204" pitchFamily="34" charset="0"/>
+                <a:ea typeface="+mn-ea"/>
+                <a:cs typeface="Arial" panose="020B0604020202020204" pitchFamily="34" charset="0"/>
+              </a:defRPr>
+            </a:lvl5pPr>
+            <a:lvl6pPr marL="2286000" indent="0" algn="l" defTabSz="914400" rtl="0" eaLnBrk="1" latinLnBrk="0" hangingPunct="1">
+              <a:lnSpc>
+                <a:spcPct val="90000"/>
+              </a:lnSpc>
+              <a:spcBef>
+                <a:spcPts val="500"/>
+              </a:spcBef>
+              <a:buFont typeface="Arial" panose="020B0604020202020204" pitchFamily="34" charset="0"/>
+              <a:buNone/>
+              <a:defRPr sz="1600" b="1" kern="1200">
+                <a:solidFill>
+                  <a:schemeClr val="tx1"/>
+                </a:solidFill>
+                <a:latin typeface="+mn-lt"/>
+                <a:ea typeface="+mn-ea"/>
+                <a:cs typeface="+mn-cs"/>
+              </a:defRPr>
+            </a:lvl6pPr>
+            <a:lvl7pPr marL="2743200" indent="0" algn="l" defTabSz="914400" rtl="0" eaLnBrk="1" latinLnBrk="0" hangingPunct="1">
+              <a:lnSpc>
+                <a:spcPct val="90000"/>
+              </a:lnSpc>
+              <a:spcBef>
+                <a:spcPts val="500"/>
+              </a:spcBef>
+              <a:buFont typeface="Arial" panose="020B0604020202020204" pitchFamily="34" charset="0"/>
+              <a:buNone/>
+              <a:defRPr sz="1600" b="1" kern="1200">
+                <a:solidFill>
+                  <a:schemeClr val="tx1"/>
+                </a:solidFill>
+                <a:latin typeface="+mn-lt"/>
+                <a:ea typeface="+mn-ea"/>
+                <a:cs typeface="+mn-cs"/>
+              </a:defRPr>
+            </a:lvl7pPr>
+            <a:lvl8pPr marL="3200400" indent="0" algn="l" defTabSz="914400" rtl="0" eaLnBrk="1" latinLnBrk="0" hangingPunct="1">
+              <a:lnSpc>
+                <a:spcPct val="90000"/>
+              </a:lnSpc>
+              <a:spcBef>
+                <a:spcPts val="500"/>
+              </a:spcBef>
+              <a:buFont typeface="Arial" panose="020B0604020202020204" pitchFamily="34" charset="0"/>
+              <a:buNone/>
+              <a:defRPr sz="1600" b="1" kern="1200">
+                <a:solidFill>
+                  <a:schemeClr val="tx1"/>
+                </a:solidFill>
+                <a:latin typeface="+mn-lt"/>
+                <a:ea typeface="+mn-ea"/>
+                <a:cs typeface="+mn-cs"/>
+              </a:defRPr>
+            </a:lvl8pPr>
+            <a:lvl9pPr marL="3657600" indent="0" algn="l" defTabSz="914400" rtl="0" eaLnBrk="1" latinLnBrk="0" hangingPunct="1">
+              <a:lnSpc>
+                <a:spcPct val="90000"/>
+              </a:lnSpc>
+              <a:spcBef>
+                <a:spcPts val="500"/>
+              </a:spcBef>
+              <a:buFont typeface="Arial" panose="020B0604020202020204" pitchFamily="34" charset="0"/>
+              <a:buNone/>
+              <a:defRPr sz="1600" b="1" kern="1200">
+                <a:solidFill>
+                  <a:schemeClr val="tx1"/>
+                </a:solidFill>
+                <a:latin typeface="+mn-lt"/>
+                <a:ea typeface="+mn-ea"/>
+                <a:cs typeface="+mn-cs"/>
+              </a:defRPr>
+            </a:lvl9pPr>
+          </a:lstStyle>
+          <a:p>
+            <a:r>
+              <a:rPr lang="ru-RU" dirty="0"/>
+              <a:t>Заполнение</a:t>
+            </a:r>
+          </a:p>
+          <a:p>
+            <a:r>
+              <a:rPr lang="ru-RU" dirty="0"/>
+              <a:t>Витрин</a:t>
+            </a:r>
+          </a:p>
+        </p:txBody>
+      </p:sp>
+      <p:sp>
+        <p:nvSpPr>
+          <p:cNvPr id="23" name="Текст 6">
+            <a:extLst>
+              <a:ext uri="{FF2B5EF4-FFF2-40B4-BE49-F238E27FC236}">
+                <a16:creationId xmlns:a16="http://schemas.microsoft.com/office/drawing/2014/main" id="{42B0E93B-6B81-17A3-5DC0-4CF3F9F5DFAF}"/>
+              </a:ext>
+            </a:extLst>
+          </p:cNvPr>
+          <p:cNvSpPr txBox="1">
+            <a:spLocks/>
+          </p:cNvSpPr>
+          <p:nvPr/>
+        </p:nvSpPr>
+        <p:spPr>
+          <a:xfrm rot="10800000" flipV="1">
+            <a:off x="2512463" y="5893214"/>
+            <a:ext cx="8434691" cy="695823"/>
+          </a:xfrm>
+          <a:prstGeom prst="rect">
+            <a:avLst/>
+          </a:prstGeom>
+        </p:spPr>
+        <p:txBody>
+          <a:bodyPr rtlCol="0"/>
+          <a:lstStyle>
+            <a:lvl1pPr marL="228600" indent="-228600" algn="l" defTabSz="914400" rtl="0" eaLnBrk="1" latinLnBrk="0" hangingPunct="1">
+              <a:lnSpc>
+                <a:spcPct val="90000"/>
+              </a:lnSpc>
+              <a:spcBef>
+                <a:spcPts val="1000"/>
+              </a:spcBef>
+              <a:buFont typeface="Arial" panose="020B0604020202020204" pitchFamily="34" charset="0"/>
+              <a:buChar char="•"/>
+              <a:defRPr sz="2800" kern="1200">
+                <a:solidFill>
+                  <a:schemeClr val="tx1"/>
+                </a:solidFill>
+                <a:latin typeface="Arial" panose="020B0604020202020204" pitchFamily="34" charset="0"/>
+                <a:ea typeface="+mn-ea"/>
+                <a:cs typeface="Arial" panose="020B0604020202020204" pitchFamily="34" charset="0"/>
+              </a:defRPr>
+            </a:lvl1pPr>
+            <a:lvl2pPr marL="685800" indent="-228600" algn="l" defTabSz="914400" rtl="0" eaLnBrk="1" latinLnBrk="0" hangingPunct="1">
+              <a:lnSpc>
+                <a:spcPct val="90000"/>
+              </a:lnSpc>
+              <a:spcBef>
+                <a:spcPts val="500"/>
+              </a:spcBef>
+              <a:buFont typeface="Arial" panose="020B0604020202020204" pitchFamily="34" charset="0"/>
+              <a:buChar char="•"/>
+              <a:defRPr sz="2400" kern="1200">
+                <a:solidFill>
+                  <a:schemeClr val="tx1"/>
+                </a:solidFill>
+                <a:latin typeface="Arial" panose="020B0604020202020204" pitchFamily="34" charset="0"/>
+                <a:ea typeface="+mn-ea"/>
+                <a:cs typeface="Arial" panose="020B0604020202020204" pitchFamily="34" charset="0"/>
+              </a:defRPr>
+            </a:lvl2pPr>
+            <a:lvl3pPr marL="1143000" indent="-228600" algn="l" defTabSz="914400" rtl="0" eaLnBrk="1" latinLnBrk="0" hangingPunct="1">
+              <a:lnSpc>
+                <a:spcPct val="90000"/>
+              </a:lnSpc>
+              <a:spcBef>
+                <a:spcPts val="500"/>
+              </a:spcBef>
+              <a:buFont typeface="Arial" panose="020B0604020202020204" pitchFamily="34" charset="0"/>
+              <a:buChar char="•"/>
+              <a:defRPr sz="2000" kern="1200">
+                <a:solidFill>
+                  <a:schemeClr val="tx1"/>
+                </a:solidFill>
+                <a:latin typeface="Arial" panose="020B0604020202020204" pitchFamily="34" charset="0"/>
+                <a:ea typeface="+mn-ea"/>
+                <a:cs typeface="Arial" panose="020B0604020202020204" pitchFamily="34" charset="0"/>
+              </a:defRPr>
+            </a:lvl3pPr>
+            <a:lvl4pPr marL="1600200" indent="-228600" algn="l" defTabSz="914400" rtl="0" eaLnBrk="1" latinLnBrk="0" hangingPunct="1">
+              <a:lnSpc>
+                <a:spcPct val="90000"/>
+              </a:lnSpc>
+              <a:spcBef>
+                <a:spcPts val="500"/>
+              </a:spcBef>
+              <a:buFont typeface="Arial" panose="020B0604020202020204" pitchFamily="34" charset="0"/>
+              <a:buChar char="•"/>
+              <a:defRPr sz="1800" kern="1200">
+                <a:solidFill>
+                  <a:schemeClr val="tx1"/>
+                </a:solidFill>
+                <a:latin typeface="Arial" panose="020B0604020202020204" pitchFamily="34" charset="0"/>
+                <a:ea typeface="+mn-ea"/>
+                <a:cs typeface="Arial" panose="020B0604020202020204" pitchFamily="34" charset="0"/>
+              </a:defRPr>
+            </a:lvl4pPr>
+            <a:lvl5pPr marL="2057400" indent="-228600" algn="l" defTabSz="914400" rtl="0" eaLnBrk="1" latinLnBrk="0" hangingPunct="1">
+              <a:lnSpc>
+                <a:spcPct val="90000"/>
+              </a:lnSpc>
+              <a:spcBef>
+                <a:spcPts val="500"/>
+              </a:spcBef>
+              <a:buFont typeface="Arial" panose="020B0604020202020204" pitchFamily="34" charset="0"/>
+              <a:buChar char="•"/>
+              <a:defRPr sz="1800" kern="1200">
+                <a:solidFill>
+                  <a:schemeClr val="tx1"/>
+                </a:solidFill>
+                <a:latin typeface="Arial" panose="020B0604020202020204" pitchFamily="34" charset="0"/>
+                <a:ea typeface="+mn-ea"/>
+                <a:cs typeface="Arial" panose="020B0604020202020204" pitchFamily="34" charset="0"/>
+              </a:defRPr>
+            </a:lvl5pPr>
+            <a:lvl6pPr marL="2514600" indent="-228600" algn="l" defTabSz="914400" rtl="0" eaLnBrk="1" latinLnBrk="0" hangingPunct="1">
+              <a:lnSpc>
+                <a:spcPct val="90000"/>
+              </a:lnSpc>
+              <a:spcBef>
+                <a:spcPts val="500"/>
+              </a:spcBef>
+              <a:buFont typeface="Arial" panose="020B0604020202020204" pitchFamily="34" charset="0"/>
+              <a:buChar char="•"/>
+              <a:defRPr sz="1800" kern="1200">
+                <a:solidFill>
+                  <a:schemeClr val="tx1"/>
+                </a:solidFill>
+                <a:latin typeface="+mn-lt"/>
+                <a:ea typeface="+mn-ea"/>
+                <a:cs typeface="+mn-cs"/>
+              </a:defRPr>
+            </a:lvl6pPr>
+            <a:lvl7pPr marL="2971800" indent="-228600" algn="l" defTabSz="914400" rtl="0" eaLnBrk="1" latinLnBrk="0" hangingPunct="1">
+              <a:lnSpc>
+                <a:spcPct val="90000"/>
+              </a:lnSpc>
+              <a:spcBef>
+                <a:spcPts val="500"/>
+              </a:spcBef>
+              <a:buFont typeface="Arial" panose="020B0604020202020204" pitchFamily="34" charset="0"/>
+              <a:buChar char="•"/>
+              <a:defRPr sz="1800" kern="1200">
+                <a:solidFill>
+                  <a:schemeClr val="tx1"/>
+                </a:solidFill>
+                <a:latin typeface="+mn-lt"/>
+                <a:ea typeface="+mn-ea"/>
+                <a:cs typeface="+mn-cs"/>
+              </a:defRPr>
+            </a:lvl7pPr>
+            <a:lvl8pPr marL="3429000" indent="-228600" algn="l" defTabSz="914400" rtl="0" eaLnBrk="1" latinLnBrk="0" hangingPunct="1">
+              <a:lnSpc>
+                <a:spcPct val="90000"/>
+              </a:lnSpc>
+              <a:spcBef>
+                <a:spcPts val="500"/>
+              </a:spcBef>
+              <a:buFont typeface="Arial" panose="020B0604020202020204" pitchFamily="34" charset="0"/>
+              <a:buChar char="•"/>
+              <a:defRPr sz="1800" kern="1200">
+                <a:solidFill>
+                  <a:schemeClr val="tx1"/>
+                </a:solidFill>
+                <a:latin typeface="+mn-lt"/>
+                <a:ea typeface="+mn-ea"/>
+                <a:cs typeface="+mn-cs"/>
+              </a:defRPr>
+            </a:lvl8pPr>
+            <a:lvl9pPr marL="3886200" indent="-228600" algn="l" defTabSz="914400" rtl="0" eaLnBrk="1" latinLnBrk="0" hangingPunct="1">
+              <a:lnSpc>
+                <a:spcPct val="90000"/>
+              </a:lnSpc>
+              <a:spcBef>
+                <a:spcPts val="500"/>
+              </a:spcBef>
+              <a:buFont typeface="Arial" panose="020B0604020202020204" pitchFamily="34" charset="0"/>
+              <a:buChar char="•"/>
+              <a:defRPr sz="1800" kern="1200">
+                <a:solidFill>
+                  <a:schemeClr val="tx1"/>
+                </a:solidFill>
+                <a:latin typeface="+mn-lt"/>
+                <a:ea typeface="+mn-ea"/>
+                <a:cs typeface="+mn-cs"/>
+              </a:defRPr>
+            </a:lvl9pPr>
+          </a:lstStyle>
+          <a:p>
+            <a:pPr marL="0" indent="0" algn="just">
+              <a:buNone/>
+            </a:pPr>
+            <a:r>
+              <a:rPr lang="ru-RU" sz="1400" dirty="0"/>
+              <a:t>Так как витриной является </a:t>
+            </a:r>
+            <a:r>
+              <a:rPr lang="en-US" sz="1400" dirty="0"/>
+              <a:t>materialized view</a:t>
+            </a:r>
+            <a:r>
+              <a:rPr lang="ru-RU" sz="1400" dirty="0"/>
+              <a:t>, то для её обновления просто выполняется </a:t>
+            </a:r>
+            <a:r>
+              <a:rPr lang="en-US" sz="1400" dirty="0" err="1"/>
+              <a:t>refrefsh</a:t>
+            </a:r>
+            <a:endParaRPr lang="ru-RU" sz="1400" dirty="0"/>
+          </a:p>
+        </p:txBody>
+      </p:sp>
     </p:spTree>
     <p:extLst>
       <p:ext uri="{BB962C8B-B14F-4D97-AF65-F5344CB8AC3E}">
@@ -18690,6 +20575,831 @@
       </p:grpSpPr>
       <p:sp>
         <p:nvSpPr>
+          <p:cNvPr id="2" name="Заголовок 1">
+            <a:extLst>
+              <a:ext uri="{FF2B5EF4-FFF2-40B4-BE49-F238E27FC236}">
+                <a16:creationId xmlns:a16="http://schemas.microsoft.com/office/drawing/2014/main" id="{1835C5F1-9381-84F9-8B0A-A96D41F09417}"/>
+              </a:ext>
+            </a:extLst>
+          </p:cNvPr>
+          <p:cNvSpPr>
+            <a:spLocks noGrp="1"/>
+          </p:cNvSpPr>
+          <p:nvPr>
+            <p:ph type="title"/>
+          </p:nvPr>
+        </p:nvSpPr>
+        <p:spPr>
+          <a:xfrm>
+            <a:off x="1885156" y="293021"/>
+            <a:ext cx="8421688" cy="449513"/>
+          </a:xfrm>
+        </p:spPr>
+        <p:txBody>
+          <a:bodyPr>
+            <a:normAutofit fontScale="90000"/>
+          </a:bodyPr>
+          <a:lstStyle/>
+          <a:p>
+            <a:r>
+              <a:rPr lang="ru-RU" dirty="0"/>
+              <a:t>Особенности</a:t>
+            </a:r>
+          </a:p>
+        </p:txBody>
+      </p:sp>
+      <p:sp>
+        <p:nvSpPr>
+          <p:cNvPr id="3" name="Текст 2">
+            <a:extLst>
+              <a:ext uri="{FF2B5EF4-FFF2-40B4-BE49-F238E27FC236}">
+                <a16:creationId xmlns:a16="http://schemas.microsoft.com/office/drawing/2014/main" id="{151D7F5E-D1EF-5B87-3350-3C6EABA8B18B}"/>
+              </a:ext>
+            </a:extLst>
+          </p:cNvPr>
+          <p:cNvSpPr>
+            <a:spLocks noGrp="1"/>
+          </p:cNvSpPr>
+          <p:nvPr>
+            <p:ph type="body" idx="1"/>
+          </p:nvPr>
+        </p:nvSpPr>
+        <p:spPr>
+          <a:xfrm>
+            <a:off x="1156125" y="1248872"/>
+            <a:ext cx="2882475" cy="823912"/>
+          </a:xfrm>
+        </p:spPr>
+        <p:txBody>
+          <a:bodyPr/>
+          <a:lstStyle/>
+          <a:p>
+            <a:r>
+              <a:rPr lang="ru-RU" dirty="0"/>
+              <a:t>Любые источники новостей</a:t>
+            </a:r>
+          </a:p>
+        </p:txBody>
+      </p:sp>
+      <p:pic>
+        <p:nvPicPr>
+          <p:cNvPr id="13" name="Объект 12">
+            <a:extLst>
+              <a:ext uri="{FF2B5EF4-FFF2-40B4-BE49-F238E27FC236}">
+                <a16:creationId xmlns:a16="http://schemas.microsoft.com/office/drawing/2014/main" id="{C62FC6DA-7FEF-461D-EBF1-E9671CB27059}"/>
+              </a:ext>
+            </a:extLst>
+          </p:cNvPr>
+          <p:cNvPicPr>
+            <a:picLocks noGrp="1" noChangeAspect="1"/>
+          </p:cNvPicPr>
+          <p:nvPr>
+            <p:ph sz="half" idx="2"/>
+          </p:nvPr>
+        </p:nvPicPr>
+        <p:blipFill>
+          <a:blip r:embed="rId2"/>
+          <a:stretch>
+            <a:fillRect/>
+          </a:stretch>
+        </p:blipFill>
+        <p:spPr>
+          <a:xfrm>
+            <a:off x="1156125" y="2201566"/>
+            <a:ext cx="2747659" cy="2122605"/>
+          </a:xfrm>
+        </p:spPr>
+      </p:pic>
+      <p:sp>
+        <p:nvSpPr>
+          <p:cNvPr id="5" name="Текст 4">
+            <a:extLst>
+              <a:ext uri="{FF2B5EF4-FFF2-40B4-BE49-F238E27FC236}">
+                <a16:creationId xmlns:a16="http://schemas.microsoft.com/office/drawing/2014/main" id="{1938B53F-8E15-42B6-F17D-7313E7B5CBBD}"/>
+              </a:ext>
+            </a:extLst>
+          </p:cNvPr>
+          <p:cNvSpPr>
+            <a:spLocks noGrp="1"/>
+          </p:cNvSpPr>
+          <p:nvPr>
+            <p:ph type="body" sz="quarter" idx="3"/>
+          </p:nvPr>
+        </p:nvSpPr>
+        <p:spPr>
+          <a:xfrm>
+            <a:off x="4305833" y="1248872"/>
+            <a:ext cx="5820933" cy="449513"/>
+          </a:xfrm>
+        </p:spPr>
+        <p:txBody>
+          <a:bodyPr/>
+          <a:lstStyle/>
+          <a:p>
+            <a:r>
+              <a:rPr lang="ru-RU" dirty="0"/>
+              <a:t>Настройка обобщенных категорий</a:t>
+            </a:r>
+          </a:p>
+        </p:txBody>
+      </p:sp>
+      <p:sp>
+        <p:nvSpPr>
+          <p:cNvPr id="6" name="Объект 5">
+            <a:extLst>
+              <a:ext uri="{FF2B5EF4-FFF2-40B4-BE49-F238E27FC236}">
+                <a16:creationId xmlns:a16="http://schemas.microsoft.com/office/drawing/2014/main" id="{E40ABE8E-3C45-C6E8-D4CD-4CE47306B6B5}"/>
+              </a:ext>
+            </a:extLst>
+          </p:cNvPr>
+          <p:cNvSpPr>
+            <a:spLocks noGrp="1"/>
+          </p:cNvSpPr>
+          <p:nvPr>
+            <p:ph sz="quarter" idx="4"/>
+          </p:nvPr>
+        </p:nvSpPr>
+        <p:spPr>
+          <a:xfrm>
+            <a:off x="1156125" y="4358483"/>
+            <a:ext cx="2896671" cy="1997867"/>
+          </a:xfrm>
+        </p:spPr>
+        <p:txBody>
+          <a:bodyPr>
+            <a:normAutofit/>
+          </a:bodyPr>
+          <a:lstStyle/>
+          <a:p>
+            <a:pPr algn="just"/>
+            <a:r>
+              <a:rPr lang="ru-RU" sz="1200" dirty="0"/>
+              <a:t>Проект поставляется в виде готового набора контейнеров и работает «из коробки». Для подключения к базе данных </a:t>
+            </a:r>
+            <a:r>
+              <a:rPr lang="en-US" sz="1200" dirty="0"/>
+              <a:t>c </a:t>
+            </a:r>
+            <a:r>
+              <a:rPr lang="ru-RU" sz="1200" dirty="0"/>
+              <a:t>загруженными новостями используется </a:t>
+            </a:r>
+            <a:r>
+              <a:rPr lang="en-US" sz="1200" dirty="0"/>
+              <a:t>Airflow</a:t>
+            </a:r>
+            <a:r>
+              <a:rPr lang="ru-RU" sz="1200" dirty="0"/>
+              <a:t>-</a:t>
+            </a:r>
+            <a:r>
+              <a:rPr lang="en-US" sz="1200" dirty="0"/>
+              <a:t>Admin-Connections</a:t>
+            </a:r>
+            <a:r>
+              <a:rPr lang="ru-RU" sz="1200" dirty="0"/>
+              <a:t>, для задания источников </a:t>
+            </a:r>
+            <a:r>
+              <a:rPr lang="en-US" sz="1200" dirty="0"/>
+              <a:t>Variables. </a:t>
+            </a:r>
+            <a:r>
+              <a:rPr lang="ru-RU" sz="1200" dirty="0"/>
+              <a:t>Базовые значения заполняются при инициализации </a:t>
+            </a:r>
+            <a:r>
+              <a:rPr lang="en-US" sz="1200" dirty="0"/>
+              <a:t>docker </a:t>
+            </a:r>
+            <a:r>
+              <a:rPr lang="ru-RU" sz="1200" dirty="0"/>
+              <a:t>контейнера</a:t>
+            </a:r>
+          </a:p>
+        </p:txBody>
+      </p:sp>
+      <p:sp>
+        <p:nvSpPr>
+          <p:cNvPr id="8" name="Объект 7">
+            <a:extLst>
+              <a:ext uri="{FF2B5EF4-FFF2-40B4-BE49-F238E27FC236}">
+                <a16:creationId xmlns:a16="http://schemas.microsoft.com/office/drawing/2014/main" id="{C004C086-9398-D72A-8C88-073EFC8BE5BD}"/>
+              </a:ext>
+            </a:extLst>
+          </p:cNvPr>
+          <p:cNvSpPr>
+            <a:spLocks noGrp="1"/>
+          </p:cNvSpPr>
+          <p:nvPr>
+            <p:ph sz="half" idx="14"/>
+          </p:nvPr>
+        </p:nvSpPr>
+        <p:spPr>
+          <a:xfrm>
+            <a:off x="4305833" y="1787827"/>
+            <a:ext cx="6311924" cy="1481691"/>
+          </a:xfrm>
+        </p:spPr>
+        <p:txBody>
+          <a:bodyPr>
+            <a:normAutofit/>
+          </a:bodyPr>
+          <a:lstStyle/>
+          <a:p>
+            <a:pPr algn="just"/>
+            <a:r>
+              <a:rPr lang="ru-RU" sz="1200" dirty="0"/>
+              <a:t>В разных источниках новостей наименования категорий новостей могут незначительно отличаться. Поэтому введена дополнительная сущность </a:t>
+            </a:r>
+            <a:r>
+              <a:rPr lang="en-US" sz="1200" dirty="0" err="1"/>
+              <a:t>category_groups</a:t>
+            </a:r>
+            <a:r>
+              <a:rPr lang="en-US" sz="1200" dirty="0"/>
+              <a:t>. </a:t>
+            </a:r>
+            <a:r>
+              <a:rPr lang="ru-RU" sz="1200" dirty="0"/>
+              <a:t>Если создана группа категорий, то её можно указать для нескольких категорий в таблице </a:t>
+            </a:r>
+            <a:r>
+              <a:rPr lang="en-US" sz="1200" dirty="0"/>
+              <a:t>categories. </a:t>
+            </a:r>
+            <a:r>
+              <a:rPr lang="ru-RU" sz="1200" dirty="0"/>
+              <a:t>При построении витрины данные будут </a:t>
+            </a:r>
+            <a:r>
+              <a:rPr lang="ru-RU" sz="1200" dirty="0" err="1"/>
+              <a:t>аггрегированы</a:t>
+            </a:r>
+            <a:r>
+              <a:rPr lang="ru-RU" sz="1200" dirty="0"/>
+              <a:t> по группе категорий. Если для категории не задана родительская группа, то данные будут </a:t>
+            </a:r>
+            <a:r>
+              <a:rPr lang="ru-RU" sz="1200" dirty="0" err="1"/>
+              <a:t>аггрегироваться</a:t>
+            </a:r>
+            <a:r>
+              <a:rPr lang="ru-RU" sz="1200" dirty="0"/>
+              <a:t> по категории</a:t>
+            </a:r>
+          </a:p>
+        </p:txBody>
+      </p:sp>
+      <p:sp>
+        <p:nvSpPr>
+          <p:cNvPr id="9" name="Дата 8">
+            <a:extLst>
+              <a:ext uri="{FF2B5EF4-FFF2-40B4-BE49-F238E27FC236}">
+                <a16:creationId xmlns:a16="http://schemas.microsoft.com/office/drawing/2014/main" id="{76A5F58B-F217-85DC-4C64-FDC9A43DC136}"/>
+              </a:ext>
+            </a:extLst>
+          </p:cNvPr>
+          <p:cNvSpPr>
+            <a:spLocks noGrp="1"/>
+          </p:cNvSpPr>
+          <p:nvPr>
+            <p:ph type="dt" sz="half" idx="10"/>
+          </p:nvPr>
+        </p:nvSpPr>
+        <p:spPr/>
+        <p:txBody>
+          <a:bodyPr/>
+          <a:lstStyle/>
+          <a:p>
+            <a:pPr rtl="0"/>
+            <a:r>
+              <a:rPr lang="ru-RU" noProof="0"/>
+              <a:t>20ГГ</a:t>
+            </a:r>
+          </a:p>
+        </p:txBody>
+      </p:sp>
+      <p:sp>
+        <p:nvSpPr>
+          <p:cNvPr id="10" name="Нижний колонтитул 9">
+            <a:extLst>
+              <a:ext uri="{FF2B5EF4-FFF2-40B4-BE49-F238E27FC236}">
+                <a16:creationId xmlns:a16="http://schemas.microsoft.com/office/drawing/2014/main" id="{18049265-D6C5-35AD-F9E1-EBAD37EAC69F}"/>
+              </a:ext>
+            </a:extLst>
+          </p:cNvPr>
+          <p:cNvSpPr>
+            <a:spLocks noGrp="1"/>
+          </p:cNvSpPr>
+          <p:nvPr>
+            <p:ph type="ftr" sz="quarter" idx="11"/>
+          </p:nvPr>
+        </p:nvSpPr>
+        <p:spPr/>
+        <p:txBody>
+          <a:bodyPr/>
+          <a:lstStyle/>
+          <a:p>
+            <a:pPr rtl="0"/>
+            <a:r>
+              <a:rPr lang="ru-RU" noProof="0"/>
+              <a:t>Презентация</a:t>
+            </a:r>
+          </a:p>
+        </p:txBody>
+      </p:sp>
+      <p:sp>
+        <p:nvSpPr>
+          <p:cNvPr id="11" name="Номер слайда 10">
+            <a:extLst>
+              <a:ext uri="{FF2B5EF4-FFF2-40B4-BE49-F238E27FC236}">
+                <a16:creationId xmlns:a16="http://schemas.microsoft.com/office/drawing/2014/main" id="{04340F78-475C-A323-83C8-0919225CEBE3}"/>
+              </a:ext>
+            </a:extLst>
+          </p:cNvPr>
+          <p:cNvSpPr>
+            <a:spLocks noGrp="1"/>
+          </p:cNvSpPr>
+          <p:nvPr>
+            <p:ph type="sldNum" sz="quarter" idx="12"/>
+          </p:nvPr>
+        </p:nvSpPr>
+        <p:spPr/>
+        <p:txBody>
+          <a:bodyPr/>
+          <a:lstStyle/>
+          <a:p>
+            <a:pPr rtl="0"/>
+            <a:fld id="{B5CEABB6-07DC-46E8-9B57-56EC44A396E5}" type="slidenum">
+              <a:rPr lang="ru-RU" noProof="0" smtClean="0"/>
+              <a:t>7</a:t>
+            </a:fld>
+            <a:endParaRPr lang="ru-RU" noProof="0"/>
+          </a:p>
+        </p:txBody>
+      </p:sp>
+      <p:sp>
+        <p:nvSpPr>
+          <p:cNvPr id="14" name="Текст 4">
+            <a:extLst>
+              <a:ext uri="{FF2B5EF4-FFF2-40B4-BE49-F238E27FC236}">
+                <a16:creationId xmlns:a16="http://schemas.microsoft.com/office/drawing/2014/main" id="{93E890E7-1E48-8567-187F-DD0C2833A118}"/>
+              </a:ext>
+            </a:extLst>
+          </p:cNvPr>
+          <p:cNvSpPr txBox="1">
+            <a:spLocks/>
+          </p:cNvSpPr>
+          <p:nvPr/>
+        </p:nvSpPr>
+        <p:spPr>
+          <a:xfrm>
+            <a:off x="4305833" y="3284295"/>
+            <a:ext cx="4175073" cy="411956"/>
+          </a:xfrm>
+          <a:prstGeom prst="rect">
+            <a:avLst/>
+          </a:prstGeom>
+        </p:spPr>
+        <p:txBody>
+          <a:bodyPr vert="horz" lIns="91440" tIns="45720" rIns="91440" bIns="45720" rtlCol="0" anchor="b">
+            <a:noAutofit/>
+          </a:bodyPr>
+          <a:lstStyle>
+            <a:lvl1pPr marL="0" indent="0" algn="l" defTabSz="914400" rtl="0" eaLnBrk="1" latinLnBrk="0" hangingPunct="1">
+              <a:lnSpc>
+                <a:spcPct val="90000"/>
+              </a:lnSpc>
+              <a:spcBef>
+                <a:spcPts val="1000"/>
+              </a:spcBef>
+              <a:buFont typeface="Arial" panose="020B0604020202020204" pitchFamily="34" charset="0"/>
+              <a:buNone/>
+              <a:defRPr lang="en-US" sz="2000" kern="1200" cap="all" spc="150" baseline="0" dirty="0" smtClean="0">
+                <a:solidFill>
+                  <a:schemeClr val="tx1"/>
+                </a:solidFill>
+                <a:latin typeface="Arial" panose="020B0604020202020204" pitchFamily="34" charset="0"/>
+                <a:ea typeface="+mj-ea"/>
+                <a:cs typeface="+mj-cs"/>
+              </a:defRPr>
+            </a:lvl1pPr>
+            <a:lvl2pPr marL="457200" indent="0" algn="l" defTabSz="914400" rtl="0" eaLnBrk="1" latinLnBrk="0" hangingPunct="1">
+              <a:lnSpc>
+                <a:spcPct val="90000"/>
+              </a:lnSpc>
+              <a:spcBef>
+                <a:spcPts val="500"/>
+              </a:spcBef>
+              <a:buFont typeface="Arial" panose="020B0604020202020204" pitchFamily="34" charset="0"/>
+              <a:buNone/>
+              <a:defRPr sz="2000" b="1" kern="1200">
+                <a:solidFill>
+                  <a:schemeClr val="tx1"/>
+                </a:solidFill>
+                <a:latin typeface="Arial" panose="020B0604020202020204" pitchFamily="34" charset="0"/>
+                <a:ea typeface="+mn-ea"/>
+                <a:cs typeface="Arial" panose="020B0604020202020204" pitchFamily="34" charset="0"/>
+              </a:defRPr>
+            </a:lvl2pPr>
+            <a:lvl3pPr marL="914400" indent="0" algn="l" defTabSz="914400" rtl="0" eaLnBrk="1" latinLnBrk="0" hangingPunct="1">
+              <a:lnSpc>
+                <a:spcPct val="90000"/>
+              </a:lnSpc>
+              <a:spcBef>
+                <a:spcPts val="500"/>
+              </a:spcBef>
+              <a:buFont typeface="Arial" panose="020B0604020202020204" pitchFamily="34" charset="0"/>
+              <a:buNone/>
+              <a:defRPr sz="1800" b="1" kern="1200">
+                <a:solidFill>
+                  <a:schemeClr val="tx1"/>
+                </a:solidFill>
+                <a:latin typeface="Arial" panose="020B0604020202020204" pitchFamily="34" charset="0"/>
+                <a:ea typeface="+mn-ea"/>
+                <a:cs typeface="Arial" panose="020B0604020202020204" pitchFamily="34" charset="0"/>
+              </a:defRPr>
+            </a:lvl3pPr>
+            <a:lvl4pPr marL="1371600" indent="0" algn="l" defTabSz="914400" rtl="0" eaLnBrk="1" latinLnBrk="0" hangingPunct="1">
+              <a:lnSpc>
+                <a:spcPct val="90000"/>
+              </a:lnSpc>
+              <a:spcBef>
+                <a:spcPts val="500"/>
+              </a:spcBef>
+              <a:buFont typeface="Arial" panose="020B0604020202020204" pitchFamily="34" charset="0"/>
+              <a:buNone/>
+              <a:defRPr sz="1600" b="1" kern="1200">
+                <a:solidFill>
+                  <a:schemeClr val="tx1"/>
+                </a:solidFill>
+                <a:latin typeface="Arial" panose="020B0604020202020204" pitchFamily="34" charset="0"/>
+                <a:ea typeface="+mn-ea"/>
+                <a:cs typeface="Arial" panose="020B0604020202020204" pitchFamily="34" charset="0"/>
+              </a:defRPr>
+            </a:lvl4pPr>
+            <a:lvl5pPr marL="1828800" indent="0" algn="l" defTabSz="914400" rtl="0" eaLnBrk="1" latinLnBrk="0" hangingPunct="1">
+              <a:lnSpc>
+                <a:spcPct val="90000"/>
+              </a:lnSpc>
+              <a:spcBef>
+                <a:spcPts val="500"/>
+              </a:spcBef>
+              <a:buFont typeface="Arial" panose="020B0604020202020204" pitchFamily="34" charset="0"/>
+              <a:buNone/>
+              <a:defRPr sz="1600" b="1" kern="1200">
+                <a:solidFill>
+                  <a:schemeClr val="tx1"/>
+                </a:solidFill>
+                <a:latin typeface="Arial" panose="020B0604020202020204" pitchFamily="34" charset="0"/>
+                <a:ea typeface="+mn-ea"/>
+                <a:cs typeface="Arial" panose="020B0604020202020204" pitchFamily="34" charset="0"/>
+              </a:defRPr>
+            </a:lvl5pPr>
+            <a:lvl6pPr marL="2286000" indent="0" algn="l" defTabSz="914400" rtl="0" eaLnBrk="1" latinLnBrk="0" hangingPunct="1">
+              <a:lnSpc>
+                <a:spcPct val="90000"/>
+              </a:lnSpc>
+              <a:spcBef>
+                <a:spcPts val="500"/>
+              </a:spcBef>
+              <a:buFont typeface="Arial" panose="020B0604020202020204" pitchFamily="34" charset="0"/>
+              <a:buNone/>
+              <a:defRPr sz="1600" b="1" kern="1200">
+                <a:solidFill>
+                  <a:schemeClr val="tx1"/>
+                </a:solidFill>
+                <a:latin typeface="+mn-lt"/>
+                <a:ea typeface="+mn-ea"/>
+                <a:cs typeface="+mn-cs"/>
+              </a:defRPr>
+            </a:lvl6pPr>
+            <a:lvl7pPr marL="2743200" indent="0" algn="l" defTabSz="914400" rtl="0" eaLnBrk="1" latinLnBrk="0" hangingPunct="1">
+              <a:lnSpc>
+                <a:spcPct val="90000"/>
+              </a:lnSpc>
+              <a:spcBef>
+                <a:spcPts val="500"/>
+              </a:spcBef>
+              <a:buFont typeface="Arial" panose="020B0604020202020204" pitchFamily="34" charset="0"/>
+              <a:buNone/>
+              <a:defRPr sz="1600" b="1" kern="1200">
+                <a:solidFill>
+                  <a:schemeClr val="tx1"/>
+                </a:solidFill>
+                <a:latin typeface="+mn-lt"/>
+                <a:ea typeface="+mn-ea"/>
+                <a:cs typeface="+mn-cs"/>
+              </a:defRPr>
+            </a:lvl7pPr>
+            <a:lvl8pPr marL="3200400" indent="0" algn="l" defTabSz="914400" rtl="0" eaLnBrk="1" latinLnBrk="0" hangingPunct="1">
+              <a:lnSpc>
+                <a:spcPct val="90000"/>
+              </a:lnSpc>
+              <a:spcBef>
+                <a:spcPts val="500"/>
+              </a:spcBef>
+              <a:buFont typeface="Arial" panose="020B0604020202020204" pitchFamily="34" charset="0"/>
+              <a:buNone/>
+              <a:defRPr sz="1600" b="1" kern="1200">
+                <a:solidFill>
+                  <a:schemeClr val="tx1"/>
+                </a:solidFill>
+                <a:latin typeface="+mn-lt"/>
+                <a:ea typeface="+mn-ea"/>
+                <a:cs typeface="+mn-cs"/>
+              </a:defRPr>
+            </a:lvl8pPr>
+            <a:lvl9pPr marL="3657600" indent="0" algn="l" defTabSz="914400" rtl="0" eaLnBrk="1" latinLnBrk="0" hangingPunct="1">
+              <a:lnSpc>
+                <a:spcPct val="90000"/>
+              </a:lnSpc>
+              <a:spcBef>
+                <a:spcPts val="500"/>
+              </a:spcBef>
+              <a:buFont typeface="Arial" panose="020B0604020202020204" pitchFamily="34" charset="0"/>
+              <a:buNone/>
+              <a:defRPr sz="1600" b="1" kern="1200">
+                <a:solidFill>
+                  <a:schemeClr val="tx1"/>
+                </a:solidFill>
+                <a:latin typeface="+mn-lt"/>
+                <a:ea typeface="+mn-ea"/>
+                <a:cs typeface="+mn-cs"/>
+              </a:defRPr>
+            </a:lvl9pPr>
+          </a:lstStyle>
+          <a:p>
+            <a:r>
+              <a:rPr lang="ru-RU" dirty="0"/>
+              <a:t>Динамическая витрина</a:t>
+            </a:r>
+          </a:p>
+        </p:txBody>
+      </p:sp>
+      <p:sp>
+        <p:nvSpPr>
+          <p:cNvPr id="17" name="Объект 7">
+            <a:extLst>
+              <a:ext uri="{FF2B5EF4-FFF2-40B4-BE49-F238E27FC236}">
+                <a16:creationId xmlns:a16="http://schemas.microsoft.com/office/drawing/2014/main" id="{CB331245-52B0-07F5-9A4F-6FC6FA66F5AF}"/>
+              </a:ext>
+            </a:extLst>
+          </p:cNvPr>
+          <p:cNvSpPr txBox="1">
+            <a:spLocks/>
+          </p:cNvSpPr>
+          <p:nvPr/>
+        </p:nvSpPr>
+        <p:spPr>
+          <a:xfrm>
+            <a:off x="4305833" y="3663358"/>
+            <a:ext cx="4983115" cy="728020"/>
+          </a:xfrm>
+          <a:prstGeom prst="rect">
+            <a:avLst/>
+          </a:prstGeom>
+        </p:spPr>
+        <p:txBody>
+          <a:bodyPr vert="horz" lIns="91440" tIns="45720" rIns="91440" bIns="45720" rtlCol="0">
+            <a:normAutofit/>
+          </a:bodyPr>
+          <a:lstStyle>
+            <a:lvl1pPr marL="0" indent="0" algn="l" defTabSz="914400" rtl="0" eaLnBrk="1" latinLnBrk="0" hangingPunct="1">
+              <a:lnSpc>
+                <a:spcPct val="100000"/>
+              </a:lnSpc>
+              <a:spcBef>
+                <a:spcPts val="1000"/>
+              </a:spcBef>
+              <a:buFont typeface="Arial" panose="020B0604020202020204" pitchFamily="34" charset="0"/>
+              <a:buNone/>
+              <a:defRPr sz="1400" kern="1200" spc="50" baseline="0">
+                <a:solidFill>
+                  <a:schemeClr val="tx1"/>
+                </a:solidFill>
+                <a:latin typeface="Arial" panose="020B0604020202020204" pitchFamily="34" charset="0"/>
+                <a:ea typeface="+mn-ea"/>
+                <a:cs typeface="Arial" panose="020B0604020202020204" pitchFamily="34" charset="0"/>
+              </a:defRPr>
+            </a:lvl1pPr>
+            <a:lvl2pPr marL="457200" indent="0" algn="l" defTabSz="914400" rtl="0" eaLnBrk="1" latinLnBrk="0" hangingPunct="1">
+              <a:lnSpc>
+                <a:spcPct val="100000"/>
+              </a:lnSpc>
+              <a:spcBef>
+                <a:spcPts val="500"/>
+              </a:spcBef>
+              <a:buFont typeface="Arial" panose="020B0604020202020204" pitchFamily="34" charset="0"/>
+              <a:buNone/>
+              <a:defRPr sz="1400" kern="1200" spc="50" baseline="0">
+                <a:solidFill>
+                  <a:schemeClr val="tx1"/>
+                </a:solidFill>
+                <a:latin typeface="Arial" panose="020B0604020202020204" pitchFamily="34" charset="0"/>
+                <a:ea typeface="+mn-ea"/>
+                <a:cs typeface="Arial" panose="020B0604020202020204" pitchFamily="34" charset="0"/>
+              </a:defRPr>
+            </a:lvl2pPr>
+            <a:lvl3pPr marL="914400" indent="0" algn="l" defTabSz="914400" rtl="0" eaLnBrk="1" latinLnBrk="0" hangingPunct="1">
+              <a:lnSpc>
+                <a:spcPct val="100000"/>
+              </a:lnSpc>
+              <a:spcBef>
+                <a:spcPts val="500"/>
+              </a:spcBef>
+              <a:buFont typeface="Arial" panose="020B0604020202020204" pitchFamily="34" charset="0"/>
+              <a:buNone/>
+              <a:defRPr sz="1400" kern="1200" spc="50" baseline="0">
+                <a:solidFill>
+                  <a:schemeClr val="tx1"/>
+                </a:solidFill>
+                <a:latin typeface="Arial" panose="020B0604020202020204" pitchFamily="34" charset="0"/>
+                <a:ea typeface="+mn-ea"/>
+                <a:cs typeface="Arial" panose="020B0604020202020204" pitchFamily="34" charset="0"/>
+              </a:defRPr>
+            </a:lvl3pPr>
+            <a:lvl4pPr marL="1371600" indent="0" algn="l" defTabSz="914400" rtl="0" eaLnBrk="1" latinLnBrk="0" hangingPunct="1">
+              <a:lnSpc>
+                <a:spcPct val="100000"/>
+              </a:lnSpc>
+              <a:spcBef>
+                <a:spcPts val="500"/>
+              </a:spcBef>
+              <a:buFont typeface="Arial" panose="020B0604020202020204" pitchFamily="34" charset="0"/>
+              <a:buNone/>
+              <a:defRPr sz="1400" kern="1200" spc="50" baseline="0">
+                <a:solidFill>
+                  <a:schemeClr val="tx1"/>
+                </a:solidFill>
+                <a:latin typeface="Arial" panose="020B0604020202020204" pitchFamily="34" charset="0"/>
+                <a:ea typeface="+mn-ea"/>
+                <a:cs typeface="Arial" panose="020B0604020202020204" pitchFamily="34" charset="0"/>
+              </a:defRPr>
+            </a:lvl4pPr>
+            <a:lvl5pPr marL="1828800" indent="0" algn="l" defTabSz="914400" rtl="0" eaLnBrk="1" latinLnBrk="0" hangingPunct="1">
+              <a:lnSpc>
+                <a:spcPct val="100000"/>
+              </a:lnSpc>
+              <a:spcBef>
+                <a:spcPts val="500"/>
+              </a:spcBef>
+              <a:buFont typeface="Arial" panose="020B0604020202020204" pitchFamily="34" charset="0"/>
+              <a:buNone/>
+              <a:defRPr sz="1400" kern="1200" spc="50" baseline="0">
+                <a:solidFill>
+                  <a:schemeClr val="tx1"/>
+                </a:solidFill>
+                <a:latin typeface="Arial" panose="020B0604020202020204" pitchFamily="34" charset="0"/>
+                <a:ea typeface="+mn-ea"/>
+                <a:cs typeface="Arial" panose="020B0604020202020204" pitchFamily="34" charset="0"/>
+              </a:defRPr>
+            </a:lvl5pPr>
+            <a:lvl6pPr marL="2514600" indent="-228600" algn="l" defTabSz="914400" rtl="0" eaLnBrk="1" latinLnBrk="0" hangingPunct="1">
+              <a:lnSpc>
+                <a:spcPct val="90000"/>
+              </a:lnSpc>
+              <a:spcBef>
+                <a:spcPts val="500"/>
+              </a:spcBef>
+              <a:buFont typeface="Arial" panose="020B0604020202020204" pitchFamily="34" charset="0"/>
+              <a:buChar char="•"/>
+              <a:defRPr sz="1800" kern="1200">
+                <a:solidFill>
+                  <a:schemeClr val="tx1"/>
+                </a:solidFill>
+                <a:latin typeface="+mn-lt"/>
+                <a:ea typeface="+mn-ea"/>
+                <a:cs typeface="+mn-cs"/>
+              </a:defRPr>
+            </a:lvl6pPr>
+            <a:lvl7pPr marL="2971800" indent="-228600" algn="l" defTabSz="914400" rtl="0" eaLnBrk="1" latinLnBrk="0" hangingPunct="1">
+              <a:lnSpc>
+                <a:spcPct val="90000"/>
+              </a:lnSpc>
+              <a:spcBef>
+                <a:spcPts val="500"/>
+              </a:spcBef>
+              <a:buFont typeface="Arial" panose="020B0604020202020204" pitchFamily="34" charset="0"/>
+              <a:buChar char="•"/>
+              <a:defRPr sz="1800" kern="1200">
+                <a:solidFill>
+                  <a:schemeClr val="tx1"/>
+                </a:solidFill>
+                <a:latin typeface="+mn-lt"/>
+                <a:ea typeface="+mn-ea"/>
+                <a:cs typeface="+mn-cs"/>
+              </a:defRPr>
+            </a:lvl7pPr>
+            <a:lvl8pPr marL="3429000" indent="-228600" algn="l" defTabSz="914400" rtl="0" eaLnBrk="1" latinLnBrk="0" hangingPunct="1">
+              <a:lnSpc>
+                <a:spcPct val="90000"/>
+              </a:lnSpc>
+              <a:spcBef>
+                <a:spcPts val="500"/>
+              </a:spcBef>
+              <a:buFont typeface="Arial" panose="020B0604020202020204" pitchFamily="34" charset="0"/>
+              <a:buChar char="•"/>
+              <a:defRPr sz="1800" kern="1200">
+                <a:solidFill>
+                  <a:schemeClr val="tx1"/>
+                </a:solidFill>
+                <a:latin typeface="+mn-lt"/>
+                <a:ea typeface="+mn-ea"/>
+                <a:cs typeface="+mn-cs"/>
+              </a:defRPr>
+            </a:lvl8pPr>
+            <a:lvl9pPr marL="3886200" indent="-228600" algn="l" defTabSz="914400" rtl="0" eaLnBrk="1" latinLnBrk="0" hangingPunct="1">
+              <a:lnSpc>
+                <a:spcPct val="90000"/>
+              </a:lnSpc>
+              <a:spcBef>
+                <a:spcPts val="500"/>
+              </a:spcBef>
+              <a:buFont typeface="Arial" panose="020B0604020202020204" pitchFamily="34" charset="0"/>
+              <a:buChar char="•"/>
+              <a:defRPr sz="1800" kern="1200">
+                <a:solidFill>
+                  <a:schemeClr val="tx1"/>
+                </a:solidFill>
+                <a:latin typeface="+mn-lt"/>
+                <a:ea typeface="+mn-ea"/>
+                <a:cs typeface="+mn-cs"/>
+              </a:defRPr>
+            </a:lvl9pPr>
+          </a:lstStyle>
+          <a:p>
+            <a:pPr algn="just"/>
+            <a:r>
+              <a:rPr lang="ru-RU" sz="1200" dirty="0"/>
+              <a:t>Витрина данных автоматически подстроится под любое количество источников новостей</a:t>
+            </a:r>
+          </a:p>
+        </p:txBody>
+      </p:sp>
+      <p:pic>
+        <p:nvPicPr>
+          <p:cNvPr id="20" name="Рисунок 19">
+            <a:extLst>
+              <a:ext uri="{FF2B5EF4-FFF2-40B4-BE49-F238E27FC236}">
+                <a16:creationId xmlns:a16="http://schemas.microsoft.com/office/drawing/2014/main" id="{9CDAAD03-D77B-F338-B5C6-8F6B7995928A}"/>
+              </a:ext>
+            </a:extLst>
+          </p:cNvPr>
+          <p:cNvPicPr>
+            <a:picLocks noChangeAspect="1"/>
+          </p:cNvPicPr>
+          <p:nvPr/>
+        </p:nvPicPr>
+        <p:blipFill>
+          <a:blip r:embed="rId3"/>
+          <a:stretch>
+            <a:fillRect/>
+          </a:stretch>
+        </p:blipFill>
+        <p:spPr>
+          <a:xfrm>
+            <a:off x="4370721" y="4090091"/>
+            <a:ext cx="6247036" cy="2122701"/>
+          </a:xfrm>
+          <a:prstGeom prst="rect">
+            <a:avLst/>
+          </a:prstGeom>
+        </p:spPr>
+      </p:pic>
+    </p:spTree>
+    <p:extLst>
+      <p:ext uri="{BB962C8B-B14F-4D97-AF65-F5344CB8AC3E}">
+        <p14:creationId xmlns:p14="http://schemas.microsoft.com/office/powerpoint/2010/main" val="3969033976"/>
+      </p:ext>
+    </p:extLst>
+  </p:cSld>
+  <p:clrMapOvr>
+    <a:masterClrMapping/>
+  </p:clrMapOvr>
+</p:sld>
+</file>
+
+<file path=ppt/slides/slide8.xml><?xml version="1.0" encoding="utf-8"?>
+<p:sld xmlns:a="http://schemas.openxmlformats.org/drawingml/2006/main" xmlns:r="http://schemas.openxmlformats.org/officeDocument/2006/relationships" xmlns:p="http://schemas.openxmlformats.org/presentationml/2006/main">
+  <p:cSld>
+    <p:spTree>
+      <p:nvGrpSpPr>
+        <p:cNvPr id="1" name=""/>
+        <p:cNvGrpSpPr/>
+        <p:nvPr/>
+      </p:nvGrpSpPr>
+      <p:grpSpPr>
+        <a:xfrm>
+          <a:off x="0" y="0"/>
+          <a:ext cx="0" cy="0"/>
+          <a:chOff x="0" y="0"/>
+          <a:chExt cx="0" cy="0"/>
+        </a:xfrm>
+      </p:grpSpPr>
+      <p:sp>
+        <p:nvSpPr>
           <p:cNvPr id="4" name="Заголовок 3">
             <a:extLst>
               <a:ext uri="{FF2B5EF4-FFF2-40B4-BE49-F238E27FC236}">
@@ -18706,8 +21416,8 @@
         </p:nvSpPr>
         <p:spPr>
           <a:xfrm>
-            <a:off x="2933700" y="892177"/>
-            <a:ext cx="8421688" cy="1325563"/>
+            <a:off x="2933700" y="537380"/>
+            <a:ext cx="8421688" cy="891050"/>
           </a:xfrm>
         </p:spPr>
         <p:txBody>
@@ -18740,8 +21450,8 @@
         </p:nvSpPr>
         <p:spPr>
           <a:xfrm>
-            <a:off x="2361655" y="2217740"/>
-            <a:ext cx="6305827" cy="1325563"/>
+            <a:off x="2361653" y="1296754"/>
+            <a:ext cx="6305827" cy="1073358"/>
           </a:xfrm>
         </p:spPr>
         <p:txBody>
@@ -18777,8 +21487,497 @@
             </a:pPr>
             <a:r>
               <a:rPr lang="ru-RU" b="1" noProof="1"/>
-              <a:t>Подготовлены скрипты для получения статистики</a:t>
-            </a:r>
+              <a:t>Сформирована витрина данных</a:t>
+            </a:r>
+          </a:p>
+        </p:txBody>
+      </p:sp>
+      <p:sp>
+        <p:nvSpPr>
+          <p:cNvPr id="2" name="Заголовок 3">
+            <a:extLst>
+              <a:ext uri="{FF2B5EF4-FFF2-40B4-BE49-F238E27FC236}">
+                <a16:creationId xmlns:a16="http://schemas.microsoft.com/office/drawing/2014/main" id="{4146DE88-57D0-E1C0-0161-B263060F09BD}"/>
+              </a:ext>
+            </a:extLst>
+          </p:cNvPr>
+          <p:cNvSpPr txBox="1">
+            <a:spLocks/>
+          </p:cNvSpPr>
+          <p:nvPr/>
+        </p:nvSpPr>
+        <p:spPr>
+          <a:xfrm>
+            <a:off x="2933700" y="2065445"/>
+            <a:ext cx="8421688" cy="1325563"/>
+          </a:xfrm>
+          <a:prstGeom prst="rect">
+            <a:avLst/>
+          </a:prstGeom>
+        </p:spPr>
+        <p:txBody>
+          <a:bodyPr vert="horz" lIns="91440" tIns="45720" rIns="91440" bIns="45720" rtlCol="0" anchor="ctr">
+            <a:normAutofit/>
+          </a:bodyPr>
+          <a:lstStyle>
+            <a:lvl1pPr algn="l" defTabSz="914400" rtl="0" eaLnBrk="1" latinLnBrk="0" hangingPunct="1">
+              <a:lnSpc>
+                <a:spcPct val="90000"/>
+              </a:lnSpc>
+              <a:spcBef>
+                <a:spcPct val="0"/>
+              </a:spcBef>
+              <a:buNone/>
+              <a:defRPr lang="en-US" sz="2800" kern="1200" cap="all" spc="150" baseline="0" dirty="0">
+                <a:solidFill>
+                  <a:schemeClr val="tx1"/>
+                </a:solidFill>
+                <a:latin typeface="Arial" panose="020B0604020202020204" pitchFamily="34" charset="0"/>
+                <a:ea typeface="+mj-ea"/>
+                <a:cs typeface="+mj-cs"/>
+              </a:defRPr>
+            </a:lvl1pPr>
+          </a:lstStyle>
+          <a:p>
+            <a:r>
+              <a:rPr lang="ru-RU" dirty="0"/>
+              <a:t>ВЫВОДЫ</a:t>
+            </a:r>
+          </a:p>
+        </p:txBody>
+      </p:sp>
+      <p:sp>
+        <p:nvSpPr>
+          <p:cNvPr id="3" name="Объект 10">
+            <a:extLst>
+              <a:ext uri="{FF2B5EF4-FFF2-40B4-BE49-F238E27FC236}">
+                <a16:creationId xmlns:a16="http://schemas.microsoft.com/office/drawing/2014/main" id="{0A04EBA6-E0FE-A20F-A0B9-5CA26A2995E6}"/>
+              </a:ext>
+            </a:extLst>
+          </p:cNvPr>
+          <p:cNvSpPr txBox="1">
+            <a:spLocks/>
+          </p:cNvSpPr>
+          <p:nvPr/>
+        </p:nvSpPr>
+        <p:spPr>
+          <a:xfrm>
+            <a:off x="2361655" y="4104008"/>
+            <a:ext cx="6305827" cy="1325563"/>
+          </a:xfrm>
+          <a:prstGeom prst="rect">
+            <a:avLst/>
+          </a:prstGeom>
+        </p:spPr>
+        <p:txBody>
+          <a:bodyPr vert="horz" lIns="91440" tIns="45720" rIns="91440" bIns="45720" rtlCol="0">
+            <a:normAutofit/>
+          </a:bodyPr>
+          <a:lstStyle>
+            <a:lvl1pPr marL="0" indent="0" algn="l" defTabSz="914400" rtl="0" eaLnBrk="1" latinLnBrk="0" hangingPunct="1">
+              <a:lnSpc>
+                <a:spcPct val="100000"/>
+              </a:lnSpc>
+              <a:spcBef>
+                <a:spcPts val="1000"/>
+              </a:spcBef>
+              <a:buFont typeface="Arial" panose="020B0604020202020204" pitchFamily="34" charset="0"/>
+              <a:buNone/>
+              <a:defRPr sz="1400" kern="1200" spc="50" baseline="0">
+                <a:solidFill>
+                  <a:schemeClr val="tx1"/>
+                </a:solidFill>
+                <a:latin typeface="Arial" panose="020B0604020202020204" pitchFamily="34" charset="0"/>
+                <a:ea typeface="+mn-ea"/>
+                <a:cs typeface="Arial" panose="020B0604020202020204" pitchFamily="34" charset="0"/>
+              </a:defRPr>
+            </a:lvl1pPr>
+            <a:lvl2pPr marL="457200" indent="0" algn="l" defTabSz="914400" rtl="0" eaLnBrk="1" latinLnBrk="0" hangingPunct="1">
+              <a:lnSpc>
+                <a:spcPct val="100000"/>
+              </a:lnSpc>
+              <a:spcBef>
+                <a:spcPts val="500"/>
+              </a:spcBef>
+              <a:buFont typeface="Arial" panose="020B0604020202020204" pitchFamily="34" charset="0"/>
+              <a:buNone/>
+              <a:defRPr sz="1400" kern="1200" spc="50" baseline="0">
+                <a:solidFill>
+                  <a:schemeClr val="tx1"/>
+                </a:solidFill>
+                <a:latin typeface="Arial" panose="020B0604020202020204" pitchFamily="34" charset="0"/>
+                <a:ea typeface="+mn-ea"/>
+                <a:cs typeface="Arial" panose="020B0604020202020204" pitchFamily="34" charset="0"/>
+              </a:defRPr>
+            </a:lvl2pPr>
+            <a:lvl3pPr marL="914400" indent="0" algn="l" defTabSz="914400" rtl="0" eaLnBrk="1" latinLnBrk="0" hangingPunct="1">
+              <a:lnSpc>
+                <a:spcPct val="100000"/>
+              </a:lnSpc>
+              <a:spcBef>
+                <a:spcPts val="500"/>
+              </a:spcBef>
+              <a:buFont typeface="Arial" panose="020B0604020202020204" pitchFamily="34" charset="0"/>
+              <a:buNone/>
+              <a:defRPr sz="1400" kern="1200" spc="50" baseline="0">
+                <a:solidFill>
+                  <a:schemeClr val="tx1"/>
+                </a:solidFill>
+                <a:latin typeface="Arial" panose="020B0604020202020204" pitchFamily="34" charset="0"/>
+                <a:ea typeface="+mn-ea"/>
+                <a:cs typeface="Arial" panose="020B0604020202020204" pitchFamily="34" charset="0"/>
+              </a:defRPr>
+            </a:lvl3pPr>
+            <a:lvl4pPr marL="1371600" indent="0" algn="l" defTabSz="914400" rtl="0" eaLnBrk="1" latinLnBrk="0" hangingPunct="1">
+              <a:lnSpc>
+                <a:spcPct val="100000"/>
+              </a:lnSpc>
+              <a:spcBef>
+                <a:spcPts val="500"/>
+              </a:spcBef>
+              <a:buFont typeface="Arial" panose="020B0604020202020204" pitchFamily="34" charset="0"/>
+              <a:buNone/>
+              <a:defRPr sz="1400" kern="1200" spc="50" baseline="0">
+                <a:solidFill>
+                  <a:schemeClr val="tx1"/>
+                </a:solidFill>
+                <a:latin typeface="Arial" panose="020B0604020202020204" pitchFamily="34" charset="0"/>
+                <a:ea typeface="+mn-ea"/>
+                <a:cs typeface="Arial" panose="020B0604020202020204" pitchFamily="34" charset="0"/>
+              </a:defRPr>
+            </a:lvl4pPr>
+            <a:lvl5pPr marL="1828800" indent="0" algn="l" defTabSz="914400" rtl="0" eaLnBrk="1" latinLnBrk="0" hangingPunct="1">
+              <a:lnSpc>
+                <a:spcPct val="100000"/>
+              </a:lnSpc>
+              <a:spcBef>
+                <a:spcPts val="500"/>
+              </a:spcBef>
+              <a:buFont typeface="Arial" panose="020B0604020202020204" pitchFamily="34" charset="0"/>
+              <a:buNone/>
+              <a:defRPr sz="1400" kern="1200" spc="50" baseline="0">
+                <a:solidFill>
+                  <a:schemeClr val="tx1"/>
+                </a:solidFill>
+                <a:latin typeface="Arial" panose="020B0604020202020204" pitchFamily="34" charset="0"/>
+                <a:ea typeface="+mn-ea"/>
+                <a:cs typeface="Arial" panose="020B0604020202020204" pitchFamily="34" charset="0"/>
+              </a:defRPr>
+            </a:lvl5pPr>
+            <a:lvl6pPr marL="2514600" indent="-228600" algn="l" defTabSz="914400" rtl="0" eaLnBrk="1" latinLnBrk="0" hangingPunct="1">
+              <a:lnSpc>
+                <a:spcPct val="90000"/>
+              </a:lnSpc>
+              <a:spcBef>
+                <a:spcPts val="500"/>
+              </a:spcBef>
+              <a:buFont typeface="Arial" panose="020B0604020202020204" pitchFamily="34" charset="0"/>
+              <a:buChar char="•"/>
+              <a:defRPr sz="1800" kern="1200">
+                <a:solidFill>
+                  <a:schemeClr val="tx1"/>
+                </a:solidFill>
+                <a:latin typeface="+mn-lt"/>
+                <a:ea typeface="+mn-ea"/>
+                <a:cs typeface="+mn-cs"/>
+              </a:defRPr>
+            </a:lvl6pPr>
+            <a:lvl7pPr marL="2971800" indent="-228600" algn="l" defTabSz="914400" rtl="0" eaLnBrk="1" latinLnBrk="0" hangingPunct="1">
+              <a:lnSpc>
+                <a:spcPct val="90000"/>
+              </a:lnSpc>
+              <a:spcBef>
+                <a:spcPts val="500"/>
+              </a:spcBef>
+              <a:buFont typeface="Arial" panose="020B0604020202020204" pitchFamily="34" charset="0"/>
+              <a:buChar char="•"/>
+              <a:defRPr sz="1800" kern="1200">
+                <a:solidFill>
+                  <a:schemeClr val="tx1"/>
+                </a:solidFill>
+                <a:latin typeface="+mn-lt"/>
+                <a:ea typeface="+mn-ea"/>
+                <a:cs typeface="+mn-cs"/>
+              </a:defRPr>
+            </a:lvl7pPr>
+            <a:lvl8pPr marL="3429000" indent="-228600" algn="l" defTabSz="914400" rtl="0" eaLnBrk="1" latinLnBrk="0" hangingPunct="1">
+              <a:lnSpc>
+                <a:spcPct val="90000"/>
+              </a:lnSpc>
+              <a:spcBef>
+                <a:spcPts val="500"/>
+              </a:spcBef>
+              <a:buFont typeface="Arial" panose="020B0604020202020204" pitchFamily="34" charset="0"/>
+              <a:buChar char="•"/>
+              <a:defRPr sz="1800" kern="1200">
+                <a:solidFill>
+                  <a:schemeClr val="tx1"/>
+                </a:solidFill>
+                <a:latin typeface="+mn-lt"/>
+                <a:ea typeface="+mn-ea"/>
+                <a:cs typeface="+mn-cs"/>
+              </a:defRPr>
+            </a:lvl8pPr>
+            <a:lvl9pPr marL="3886200" indent="-228600" algn="l" defTabSz="914400" rtl="0" eaLnBrk="1" latinLnBrk="0" hangingPunct="1">
+              <a:lnSpc>
+                <a:spcPct val="90000"/>
+              </a:lnSpc>
+              <a:spcBef>
+                <a:spcPts val="500"/>
+              </a:spcBef>
+              <a:buFont typeface="Arial" panose="020B0604020202020204" pitchFamily="34" charset="0"/>
+              <a:buChar char="•"/>
+              <a:defRPr sz="1800" kern="1200">
+                <a:solidFill>
+                  <a:schemeClr val="tx1"/>
+                </a:solidFill>
+                <a:latin typeface="+mn-lt"/>
+                <a:ea typeface="+mn-ea"/>
+                <a:cs typeface="+mn-cs"/>
+              </a:defRPr>
+            </a:lvl9pPr>
+          </a:lstStyle>
+          <a:p>
+            <a:endParaRPr lang="ru-RU" b="1" noProof="1"/>
+          </a:p>
+        </p:txBody>
+      </p:sp>
+      <p:sp>
+        <p:nvSpPr>
+          <p:cNvPr id="5" name="Объект 10">
+            <a:extLst>
+              <a:ext uri="{FF2B5EF4-FFF2-40B4-BE49-F238E27FC236}">
+                <a16:creationId xmlns:a16="http://schemas.microsoft.com/office/drawing/2014/main" id="{C36B0169-FDF2-7885-C4ED-228CD8192A81}"/>
+              </a:ext>
+            </a:extLst>
+          </p:cNvPr>
+          <p:cNvSpPr txBox="1">
+            <a:spLocks/>
+          </p:cNvSpPr>
+          <p:nvPr/>
+        </p:nvSpPr>
+        <p:spPr>
+          <a:xfrm>
+            <a:off x="2361653" y="3069264"/>
+            <a:ext cx="6305827" cy="3038334"/>
+          </a:xfrm>
+          <a:prstGeom prst="rect">
+            <a:avLst/>
+          </a:prstGeom>
+        </p:spPr>
+        <p:txBody>
+          <a:bodyPr vert="horz" lIns="91440" tIns="45720" rIns="91440" bIns="45720" rtlCol="0">
+            <a:noAutofit/>
+          </a:bodyPr>
+          <a:lstStyle>
+            <a:lvl1pPr marL="0" indent="0" algn="l" defTabSz="914400" rtl="0" eaLnBrk="1" latinLnBrk="0" hangingPunct="1">
+              <a:lnSpc>
+                <a:spcPct val="100000"/>
+              </a:lnSpc>
+              <a:spcBef>
+                <a:spcPts val="1000"/>
+              </a:spcBef>
+              <a:buFont typeface="Arial" panose="020B0604020202020204" pitchFamily="34" charset="0"/>
+              <a:buNone/>
+              <a:defRPr sz="1400" kern="1200" spc="50" baseline="0">
+                <a:solidFill>
+                  <a:schemeClr val="tx1"/>
+                </a:solidFill>
+                <a:latin typeface="Arial" panose="020B0604020202020204" pitchFamily="34" charset="0"/>
+                <a:ea typeface="+mn-ea"/>
+                <a:cs typeface="Arial" panose="020B0604020202020204" pitchFamily="34" charset="0"/>
+              </a:defRPr>
+            </a:lvl1pPr>
+            <a:lvl2pPr marL="457200" indent="0" algn="l" defTabSz="914400" rtl="0" eaLnBrk="1" latinLnBrk="0" hangingPunct="1">
+              <a:lnSpc>
+                <a:spcPct val="100000"/>
+              </a:lnSpc>
+              <a:spcBef>
+                <a:spcPts val="500"/>
+              </a:spcBef>
+              <a:buFont typeface="Arial" panose="020B0604020202020204" pitchFamily="34" charset="0"/>
+              <a:buNone/>
+              <a:defRPr sz="1400" kern="1200" spc="50" baseline="0">
+                <a:solidFill>
+                  <a:schemeClr val="tx1"/>
+                </a:solidFill>
+                <a:latin typeface="Arial" panose="020B0604020202020204" pitchFamily="34" charset="0"/>
+                <a:ea typeface="+mn-ea"/>
+                <a:cs typeface="Arial" panose="020B0604020202020204" pitchFamily="34" charset="0"/>
+              </a:defRPr>
+            </a:lvl2pPr>
+            <a:lvl3pPr marL="914400" indent="0" algn="l" defTabSz="914400" rtl="0" eaLnBrk="1" latinLnBrk="0" hangingPunct="1">
+              <a:lnSpc>
+                <a:spcPct val="100000"/>
+              </a:lnSpc>
+              <a:spcBef>
+                <a:spcPts val="500"/>
+              </a:spcBef>
+              <a:buFont typeface="Arial" panose="020B0604020202020204" pitchFamily="34" charset="0"/>
+              <a:buNone/>
+              <a:defRPr sz="1400" kern="1200" spc="50" baseline="0">
+                <a:solidFill>
+                  <a:schemeClr val="tx1"/>
+                </a:solidFill>
+                <a:latin typeface="Arial" panose="020B0604020202020204" pitchFamily="34" charset="0"/>
+                <a:ea typeface="+mn-ea"/>
+                <a:cs typeface="Arial" panose="020B0604020202020204" pitchFamily="34" charset="0"/>
+              </a:defRPr>
+            </a:lvl3pPr>
+            <a:lvl4pPr marL="1371600" indent="0" algn="l" defTabSz="914400" rtl="0" eaLnBrk="1" latinLnBrk="0" hangingPunct="1">
+              <a:lnSpc>
+                <a:spcPct val="100000"/>
+              </a:lnSpc>
+              <a:spcBef>
+                <a:spcPts val="500"/>
+              </a:spcBef>
+              <a:buFont typeface="Arial" panose="020B0604020202020204" pitchFamily="34" charset="0"/>
+              <a:buNone/>
+              <a:defRPr sz="1400" kern="1200" spc="50" baseline="0">
+                <a:solidFill>
+                  <a:schemeClr val="tx1"/>
+                </a:solidFill>
+                <a:latin typeface="Arial" panose="020B0604020202020204" pitchFamily="34" charset="0"/>
+                <a:ea typeface="+mn-ea"/>
+                <a:cs typeface="Arial" panose="020B0604020202020204" pitchFamily="34" charset="0"/>
+              </a:defRPr>
+            </a:lvl4pPr>
+            <a:lvl5pPr marL="1828800" indent="0" algn="l" defTabSz="914400" rtl="0" eaLnBrk="1" latinLnBrk="0" hangingPunct="1">
+              <a:lnSpc>
+                <a:spcPct val="100000"/>
+              </a:lnSpc>
+              <a:spcBef>
+                <a:spcPts val="500"/>
+              </a:spcBef>
+              <a:buFont typeface="Arial" panose="020B0604020202020204" pitchFamily="34" charset="0"/>
+              <a:buNone/>
+              <a:defRPr sz="1400" kern="1200" spc="50" baseline="0">
+                <a:solidFill>
+                  <a:schemeClr val="tx1"/>
+                </a:solidFill>
+                <a:latin typeface="Arial" panose="020B0604020202020204" pitchFamily="34" charset="0"/>
+                <a:ea typeface="+mn-ea"/>
+                <a:cs typeface="Arial" panose="020B0604020202020204" pitchFamily="34" charset="0"/>
+              </a:defRPr>
+            </a:lvl5pPr>
+            <a:lvl6pPr marL="2514600" indent="-228600" algn="l" defTabSz="914400" rtl="0" eaLnBrk="1" latinLnBrk="0" hangingPunct="1">
+              <a:lnSpc>
+                <a:spcPct val="90000"/>
+              </a:lnSpc>
+              <a:spcBef>
+                <a:spcPts val="500"/>
+              </a:spcBef>
+              <a:buFont typeface="Arial" panose="020B0604020202020204" pitchFamily="34" charset="0"/>
+              <a:buChar char="•"/>
+              <a:defRPr sz="1800" kern="1200">
+                <a:solidFill>
+                  <a:schemeClr val="tx1"/>
+                </a:solidFill>
+                <a:latin typeface="+mn-lt"/>
+                <a:ea typeface="+mn-ea"/>
+                <a:cs typeface="+mn-cs"/>
+              </a:defRPr>
+            </a:lvl6pPr>
+            <a:lvl7pPr marL="2971800" indent="-228600" algn="l" defTabSz="914400" rtl="0" eaLnBrk="1" latinLnBrk="0" hangingPunct="1">
+              <a:lnSpc>
+                <a:spcPct val="90000"/>
+              </a:lnSpc>
+              <a:spcBef>
+                <a:spcPts val="500"/>
+              </a:spcBef>
+              <a:buFont typeface="Arial" panose="020B0604020202020204" pitchFamily="34" charset="0"/>
+              <a:buChar char="•"/>
+              <a:defRPr sz="1800" kern="1200">
+                <a:solidFill>
+                  <a:schemeClr val="tx1"/>
+                </a:solidFill>
+                <a:latin typeface="+mn-lt"/>
+                <a:ea typeface="+mn-ea"/>
+                <a:cs typeface="+mn-cs"/>
+              </a:defRPr>
+            </a:lvl7pPr>
+            <a:lvl8pPr marL="3429000" indent="-228600" algn="l" defTabSz="914400" rtl="0" eaLnBrk="1" latinLnBrk="0" hangingPunct="1">
+              <a:lnSpc>
+                <a:spcPct val="90000"/>
+              </a:lnSpc>
+              <a:spcBef>
+                <a:spcPts val="500"/>
+              </a:spcBef>
+              <a:buFont typeface="Arial" panose="020B0604020202020204" pitchFamily="34" charset="0"/>
+              <a:buChar char="•"/>
+              <a:defRPr sz="1800" kern="1200">
+                <a:solidFill>
+                  <a:schemeClr val="tx1"/>
+                </a:solidFill>
+                <a:latin typeface="+mn-lt"/>
+                <a:ea typeface="+mn-ea"/>
+                <a:cs typeface="+mn-cs"/>
+              </a:defRPr>
+            </a:lvl8pPr>
+            <a:lvl9pPr marL="3886200" indent="-228600" algn="l" defTabSz="914400" rtl="0" eaLnBrk="1" latinLnBrk="0" hangingPunct="1">
+              <a:lnSpc>
+                <a:spcPct val="90000"/>
+              </a:lnSpc>
+              <a:spcBef>
+                <a:spcPts val="500"/>
+              </a:spcBef>
+              <a:buFont typeface="Arial" panose="020B0604020202020204" pitchFamily="34" charset="0"/>
+              <a:buChar char="•"/>
+              <a:defRPr sz="1800" kern="1200">
+                <a:solidFill>
+                  <a:schemeClr val="tx1"/>
+                </a:solidFill>
+                <a:latin typeface="+mn-lt"/>
+                <a:ea typeface="+mn-ea"/>
+                <a:cs typeface="+mn-cs"/>
+              </a:defRPr>
+            </a:lvl9pPr>
+          </a:lstStyle>
+          <a:p>
+            <a:pPr algn="just"/>
+            <a:r>
+              <a:rPr lang="en-US" sz="1200" noProof="1"/>
+              <a:t>Apache Airflow </a:t>
+            </a:r>
+            <a:r>
+              <a:rPr lang="ru-RU" sz="1200" noProof="1"/>
+              <a:t>является удобным и функциональным инструментом для оркестрации потоков операций. Наличие множества различных интеграций позволяет использовать его в разнообразных технологических стеках и задачах. Возможность написания кода операторов на </a:t>
+            </a:r>
+            <a:r>
+              <a:rPr lang="en-US" sz="1200" noProof="1"/>
+              <a:t>Python </a:t>
+            </a:r>
+            <a:r>
+              <a:rPr lang="ru-RU" sz="1200" noProof="1"/>
+              <a:t>даёт практически неограниченные возможности использования, в том числе и для обработки и анализа данных</a:t>
+            </a:r>
+          </a:p>
+          <a:p>
+            <a:pPr algn="just"/>
+            <a:r>
+              <a:rPr lang="ru-RU" sz="1200" noProof="1"/>
+              <a:t>Использование </a:t>
+            </a:r>
+            <a:r>
+              <a:rPr lang="en-US" sz="1200" noProof="1"/>
+              <a:t>Docker </a:t>
+            </a:r>
+            <a:r>
+              <a:rPr lang="ru-RU" sz="1200" noProof="1"/>
+              <a:t>позволяет создать продукт, готовый для быстрого развертывания практически в любой инфраструктуре. Также с его использованием можно огранизовать процесс </a:t>
+            </a:r>
+            <a:r>
+              <a:rPr lang="en-US" sz="1200" noProof="1"/>
+              <a:t>CI/CD</a:t>
+            </a:r>
+          </a:p>
+          <a:p>
+            <a:pPr algn="just"/>
+            <a:r>
+              <a:rPr lang="ru-RU" sz="1200" noProof="1"/>
+              <a:t>Реализованный проект – достаточно прост, однако это полноценное функциональное решение, которое можно использовать в качестве инструмента для сбора и первичной обработки данных для дальнейшего анализа и построения моделей</a:t>
+            </a:r>
+            <a:endParaRPr lang="en-US" sz="1200" noProof="1"/>
           </a:p>
         </p:txBody>
       </p:sp>
@@ -19587,6 +22786,15 @@
 </file>
 
 <file path=customXml/item1.xml><?xml version="1.0" encoding="utf-8"?>
+<?mso-contentType ?>
+<FormTemplates xmlns="http://schemas.microsoft.com/sharepoint/v3/contenttype/forms">
+  <Display>DocumentLibraryForm</Display>
+  <Edit>DocumentLibraryForm</Edit>
+  <New>DocumentLibraryForm</New>
+</FormTemplates>
+</file>
+
+<file path=customXml/item2.xml><?xml version="1.0" encoding="utf-8"?>
 <ct:contentTypeSchema xmlns:ct="http://schemas.microsoft.com/office/2006/metadata/contentType" xmlns:ma="http://schemas.microsoft.com/office/2006/metadata/properties/metaAttributes" ct:_="" ma:_="" ma:contentTypeName="Document" ma:contentTypeID="0x01010079F111ED35F8CC479449609E8A0923A6" ma:contentTypeVersion="20" ma:contentTypeDescription="Create a new document." ma:contentTypeScope="" ma:versionID="1267097ee5f5874adfcc408041ae252e">
   <xsd:schema xmlns:xsd="http://www.w3.org/2001/XMLSchema" xmlns:xs="http://www.w3.org/2001/XMLSchema" xmlns:p="http://schemas.microsoft.com/office/2006/metadata/properties" xmlns:ns1="http://schemas.microsoft.com/sharepoint/v3" xmlns:ns2="71af3243-3dd4-4a8d-8c0d-dd76da1f02a5" xmlns:ns3="16c05727-aa75-4e4a-9b5f-8a80a1165891" xmlns:ns4="230e9df3-be65-4c73-a93b-d1236ebd677e" targetNamespace="http://schemas.microsoft.com/office/2006/metadata/properties" ma:root="true" ma:fieldsID="395891a93df65b14727750f2c06c306c" ns1:_="" ns2:_="" ns3:_="" ns4:_="">
     <xsd:import namespace="http://schemas.microsoft.com/sharepoint/v3"/>
@@ -19862,15 +23070,6 @@
 </ct:contentTypeSchema>
 </file>
 
-<file path=customXml/item2.xml><?xml version="1.0" encoding="utf-8"?>
-<?mso-contentType ?>
-<FormTemplates xmlns="http://schemas.microsoft.com/sharepoint/v3/contenttype/forms">
-  <Display>DocumentLibraryForm</Display>
-  <Edit>DocumentLibraryForm</Edit>
-  <New>DocumentLibraryForm</New>
-</FormTemplates>
-</file>
-
 <file path=customXml/item3.xml><?xml version="1.0" encoding="utf-8"?>
 <p:properties xmlns:p="http://schemas.microsoft.com/office/2006/metadata/properties" xmlns:xsi="http://www.w3.org/2001/XMLSchema-instance" xmlns:pc="http://schemas.microsoft.com/office/infopath/2007/PartnerControls">
   <documentManagement>
@@ -19891,6 +23090,14 @@
 </file>
 
 <file path=customXml/itemProps1.xml><?xml version="1.0" encoding="utf-8"?>
+<ds:datastoreItem xmlns:ds="http://schemas.openxmlformats.org/officeDocument/2006/customXml" ds:itemID="{2D446390-8521-40A2-A462-EA068123BED9}">
+  <ds:schemaRefs>
+    <ds:schemaRef ds:uri="http://schemas.microsoft.com/sharepoint/v3/contenttype/forms"/>
+  </ds:schemaRefs>
+</ds:datastoreItem>
+</file>
+
+<file path=customXml/itemProps2.xml><?xml version="1.0" encoding="utf-8"?>
 <ds:datastoreItem xmlns:ds="http://schemas.openxmlformats.org/officeDocument/2006/customXml" ds:itemID="{01E84A1C-2814-43A7-9448-348326113A45}">
   <ds:schemaRefs>
     <ds:schemaRef ds:uri="http://schemas.microsoft.com/office/2006/metadata/contentType"/>
@@ -19907,14 +23114,6 @@
     <ds:schemaRef ds:uri="http://purl.org/dc/elements/1.1/"/>
     <ds:schemaRef ds:uri="http://purl.org/dc/terms/"/>
     <ds:schemaRef ds:uri="http://schemas.microsoft.com/internal/obd"/>
-  </ds:schemaRefs>
-</ds:datastoreItem>
-</file>
-
-<file path=customXml/itemProps2.xml><?xml version="1.0" encoding="utf-8"?>
-<ds:datastoreItem xmlns:ds="http://schemas.openxmlformats.org/officeDocument/2006/customXml" ds:itemID="{2D446390-8521-40A2-A462-EA068123BED9}">
-  <ds:schemaRefs>
-    <ds:schemaRef ds:uri="http://schemas.microsoft.com/sharepoint/v3/contenttype/forms"/>
   </ds:schemaRefs>
 </ds:datastoreItem>
 </file>
